--- a/「クライアントとサーバー」発表資料.pptx
+++ b/「クライアントとサーバー」発表資料.pptx
@@ -19,6 +19,22 @@
     <p:sldId id="266" r:id="rId14"/>
     <p:sldId id="267" r:id="rId15"/>
     <p:sldId id="268" r:id="rId16"/>
+    <p:sldId id="269" r:id="rId17"/>
+    <p:sldId id="270" r:id="rId18"/>
+    <p:sldId id="271" r:id="rId19"/>
+    <p:sldId id="272" r:id="rId20"/>
+    <p:sldId id="273" r:id="rId21"/>
+    <p:sldId id="274" r:id="rId22"/>
+    <p:sldId id="275" r:id="rId23"/>
+    <p:sldId id="276" r:id="rId24"/>
+    <p:sldId id="277" r:id="rId25"/>
+    <p:sldId id="278" r:id="rId26"/>
+    <p:sldId id="279" r:id="rId27"/>
+    <p:sldId id="280" r:id="rId28"/>
+    <p:sldId id="281" r:id="rId29"/>
+    <p:sldId id="282" r:id="rId30"/>
+    <p:sldId id="283" r:id="rId31"/>
+    <p:sldId id="284" r:id="rId32"/>
   </p:sldIdLst>
   <p:sldSz cx="10080625" cy="7559675"/>
   <p:notesSz cx="7559675" cy="10691812"/>
@@ -3003,7 +3019,7 @@
         <p:spPr>
           <a:xfrm>
             <a:off x="504000" y="301320"/>
-            <a:ext cx="9070920" cy="1261440"/>
+            <a:ext cx="9072000" cy="1261800"/>
           </a:xfrm>
           <a:prstGeom prst="rect">
             <a:avLst/>
@@ -3013,6 +3029,20 @@
           <a:bodyPr lIns="0" rIns="0" tIns="0" bIns="0" anchor="ctr"/>
           <a:p>
             <a:pPr algn="ctr"/>
+            <a:r>
+              <a:rPr b="0" lang="en-US" sz="4400" spc="-1" strike="noStrike">
+                <a:solidFill>
+                  <a:srgbClr val="000000"/>
+                </a:solidFill>
+                <a:uFill>
+                  <a:solidFill>
+                    <a:srgbClr val="ffffff"/>
+                  </a:solidFill>
+                </a:uFill>
+                <a:latin typeface="Arial"/>
+              </a:rPr>
+              <a:t>タイトルテキストの書式を編集するにはクリックします。</a:t>
+            </a:r>
             <a:endParaRPr b="0" lang="en-US" sz="4400" spc="-1" strike="noStrike">
               <a:solidFill>
                 <a:srgbClr val="000000"/>
@@ -3039,8 +3069,8 @@
         </p:nvSpPr>
         <p:spPr>
           <a:xfrm>
-            <a:off x="504000" y="1769040"/>
-            <a:ext cx="9070920" cy="4383720"/>
+            <a:off x="504000" y="1768680"/>
+            <a:ext cx="9072000" cy="4384080"/>
           </a:xfrm>
           <a:prstGeom prst="rect">
             <a:avLst/>
@@ -3058,7 +3088,7 @@
               <a:buChar char=""/>
             </a:pPr>
             <a:r>
-              <a:rPr b="0" lang="en-US" sz="1800" spc="-1" strike="noStrike">
+              <a:rPr b="0" lang="en-US" sz="3200" spc="-1" strike="noStrike">
                 <a:solidFill>
                   <a:srgbClr val="000000"/>
                 </a:solidFill>
@@ -3071,7 +3101,7 @@
               </a:rPr>
               <a:t>アウトラインテキストの書式を編集するにはクリックします。</a:t>
             </a:r>
-            <a:endParaRPr b="0" lang="en-US" sz="1800" spc="-1" strike="noStrike">
+            <a:endParaRPr b="0" lang="en-US" sz="3200" spc="-1" strike="noStrike">
               <a:solidFill>
                 <a:srgbClr val="000000"/>
               </a:solidFill>
@@ -3093,7 +3123,7 @@
               <a:buChar char=""/>
             </a:pPr>
             <a:r>
-              <a:rPr b="0" lang="en-US" sz="1800" spc="-1" strike="noStrike">
+              <a:rPr b="0" lang="en-US" sz="2800" spc="-1" strike="noStrike">
                 <a:solidFill>
                   <a:srgbClr val="000000"/>
                 </a:solidFill>
@@ -3107,7 +3137,7 @@
               <a:t>2</a:t>
             </a:r>
             <a:r>
-              <a:rPr b="0" lang="en-US" sz="1800" spc="-1" strike="noStrike">
+              <a:rPr b="0" lang="en-US" sz="2800" spc="-1" strike="noStrike">
                 <a:solidFill>
                   <a:srgbClr val="000000"/>
                 </a:solidFill>
@@ -3120,7 +3150,7 @@
               </a:rPr>
               <a:t>レベル目のアウトライン</a:t>
             </a:r>
-            <a:endParaRPr b="0" lang="en-US" sz="1800" spc="-1" strike="noStrike">
+            <a:endParaRPr b="0" lang="en-US" sz="2800" spc="-1" strike="noStrike">
               <a:solidFill>
                 <a:srgbClr val="000000"/>
               </a:solidFill>
@@ -3142,7 +3172,7 @@
               <a:buChar char=""/>
             </a:pPr>
             <a:r>
-              <a:rPr b="0" lang="en-US" sz="1800" spc="-1" strike="noStrike">
+              <a:rPr b="0" lang="en-US" sz="2400" spc="-1" strike="noStrike">
                 <a:solidFill>
                   <a:srgbClr val="000000"/>
                 </a:solidFill>
@@ -3156,7 +3186,7 @@
               <a:t>3</a:t>
             </a:r>
             <a:r>
-              <a:rPr b="0" lang="en-US" sz="1800" spc="-1" strike="noStrike">
+              <a:rPr b="0" lang="en-US" sz="2400" spc="-1" strike="noStrike">
                 <a:solidFill>
                   <a:srgbClr val="000000"/>
                 </a:solidFill>
@@ -3169,7 +3199,7 @@
               </a:rPr>
               <a:t>レベル目のアウトライン</a:t>
             </a:r>
-            <a:endParaRPr b="0" lang="en-US" sz="1800" spc="-1" strike="noStrike">
+            <a:endParaRPr b="0" lang="en-US" sz="2400" spc="-1" strike="noStrike">
               <a:solidFill>
                 <a:srgbClr val="000000"/>
               </a:solidFill>
@@ -3191,7 +3221,7 @@
               <a:buChar char=""/>
             </a:pPr>
             <a:r>
-              <a:rPr b="0" lang="en-US" sz="1800" spc="-1" strike="noStrike">
+              <a:rPr b="0" lang="en-US" sz="2000" spc="-1" strike="noStrike">
                 <a:solidFill>
                   <a:srgbClr val="000000"/>
                 </a:solidFill>
@@ -3205,7 +3235,7 @@
               <a:t>4</a:t>
             </a:r>
             <a:r>
-              <a:rPr b="0" lang="en-US" sz="1800" spc="-1" strike="noStrike">
+              <a:rPr b="0" lang="en-US" sz="2000" spc="-1" strike="noStrike">
                 <a:solidFill>
                   <a:srgbClr val="000000"/>
                 </a:solidFill>
@@ -3218,7 +3248,7 @@
               </a:rPr>
               <a:t>レベル目のアウトライン</a:t>
             </a:r>
-            <a:endParaRPr b="0" lang="en-US" sz="1800" spc="-1" strike="noStrike">
+            <a:endParaRPr b="0" lang="en-US" sz="2000" spc="-1" strike="noStrike">
               <a:solidFill>
                 <a:srgbClr val="000000"/>
               </a:solidFill>
@@ -3240,7 +3270,7 @@
               <a:buChar char=""/>
             </a:pPr>
             <a:r>
-              <a:rPr b="0" lang="en-US" sz="1800" spc="-1" strike="noStrike">
+              <a:rPr b="0" lang="en-US" sz="2000" spc="-1" strike="noStrike">
                 <a:solidFill>
                   <a:srgbClr val="000000"/>
                 </a:solidFill>
@@ -3254,7 +3284,7 @@
               <a:t>5</a:t>
             </a:r>
             <a:r>
-              <a:rPr b="0" lang="en-US" sz="1800" spc="-1" strike="noStrike">
+              <a:rPr b="0" lang="en-US" sz="2000" spc="-1" strike="noStrike">
                 <a:solidFill>
                   <a:srgbClr val="000000"/>
                 </a:solidFill>
@@ -3267,7 +3297,7 @@
               </a:rPr>
               <a:t>レベル目のアウトライン</a:t>
             </a:r>
-            <a:endParaRPr b="0" lang="en-US" sz="1800" spc="-1" strike="noStrike">
+            <a:endParaRPr b="0" lang="en-US" sz="2000" spc="-1" strike="noStrike">
               <a:solidFill>
                 <a:srgbClr val="000000"/>
               </a:solidFill>
@@ -3289,7 +3319,7 @@
               <a:buChar char=""/>
             </a:pPr>
             <a:r>
-              <a:rPr b="0" lang="en-US" sz="1800" spc="-1" strike="noStrike">
+              <a:rPr b="0" lang="en-US" sz="2000" spc="-1" strike="noStrike">
                 <a:solidFill>
                   <a:srgbClr val="000000"/>
                 </a:solidFill>
@@ -3303,7 +3333,7 @@
               <a:t>6</a:t>
             </a:r>
             <a:r>
-              <a:rPr b="0" lang="en-US" sz="1800" spc="-1" strike="noStrike">
+              <a:rPr b="0" lang="en-US" sz="2000" spc="-1" strike="noStrike">
                 <a:solidFill>
                   <a:srgbClr val="000000"/>
                 </a:solidFill>
@@ -3316,7 +3346,7 @@
               </a:rPr>
               <a:t>レベル目のアウトライン</a:t>
             </a:r>
-            <a:endParaRPr b="0" lang="en-US" sz="1800" spc="-1" strike="noStrike">
+            <a:endParaRPr b="0" lang="en-US" sz="2000" spc="-1" strike="noStrike">
               <a:solidFill>
                 <a:srgbClr val="000000"/>
               </a:solidFill>
@@ -3338,7 +3368,7 @@
               <a:buChar char=""/>
             </a:pPr>
             <a:r>
-              <a:rPr b="0" lang="en-US" sz="1800" spc="-1" strike="noStrike">
+              <a:rPr b="0" lang="en-US" sz="2000" spc="-1" strike="noStrike">
                 <a:solidFill>
                   <a:srgbClr val="000000"/>
                 </a:solidFill>
@@ -3352,7 +3382,7 @@
               <a:t>7</a:t>
             </a:r>
             <a:r>
-              <a:rPr b="0" lang="en-US" sz="1800" spc="-1" strike="noStrike">
+              <a:rPr b="0" lang="en-US" sz="2000" spc="-1" strike="noStrike">
                 <a:solidFill>
                   <a:srgbClr val="000000"/>
                 </a:solidFill>
@@ -3365,7 +3395,7 @@
               </a:rPr>
               <a:t>レベル目のアウトライン</a:t>
             </a:r>
-            <a:endParaRPr b="0" lang="en-US" sz="1800" spc="-1" strike="noStrike">
+            <a:endParaRPr b="0" lang="en-US" sz="2000" spc="-1" strike="noStrike">
               <a:solidFill>
                 <a:srgbClr val="000000"/>
               </a:solidFill>
@@ -3865,7 +3895,7 @@
         <p:spPr>
           <a:xfrm>
             <a:off x="7353720" y="6264000"/>
-            <a:ext cx="2077560" cy="496440"/>
+            <a:ext cx="2077200" cy="496080"/>
           </a:xfrm>
           <a:prstGeom prst="rect">
             <a:avLst/>
@@ -3922,7 +3952,7 @@
         <p:spPr>
           <a:xfrm>
             <a:off x="3780000" y="1008000"/>
-            <a:ext cx="2519280" cy="1208520"/>
+            <a:ext cx="2518920" cy="1208160"/>
           </a:xfrm>
           <a:prstGeom prst="rect">
             <a:avLst/>
@@ -3984,7 +4014,7 @@
         <p:spPr>
           <a:xfrm>
             <a:off x="504000" y="3600000"/>
-            <a:ext cx="9287640" cy="791280"/>
+            <a:ext cx="9287280" cy="790920"/>
           </a:xfrm>
           <a:prstGeom prst="rect">
             <a:avLst/>
@@ -4021,73 +4051,7 @@
                 <a:latin typeface="Arial"/>
                 <a:ea typeface="DejaVu Sans"/>
               </a:rPr>
-              <a:t>「クライアントとサーバー」　</a:t>
-            </a:r>
-            <a:endParaRPr b="0" lang="en-US" sz="1800" spc="-1" strike="noStrike">
-              <a:solidFill>
-                <a:srgbClr val="000000"/>
-              </a:solidFill>
-              <a:uFill>
-                <a:solidFill>
-                  <a:srgbClr val="ffffff"/>
-                </a:solidFill>
-              </a:uFill>
-              <a:latin typeface="Arial"/>
-            </a:endParaRPr>
-          </a:p>
-          <a:p>
-            <a:pPr>
-              <a:lnSpc>
-                <a:spcPct val="100000"/>
-              </a:lnSpc>
-            </a:pPr>
-            <a:r>
-              <a:rPr b="0" lang="en-US" sz="4000" spc="-1" strike="noStrike">
-                <a:solidFill>
-                  <a:srgbClr val="000000"/>
-                </a:solidFill>
-                <a:uFill>
-                  <a:solidFill>
-                    <a:srgbClr val="ffffff"/>
-                  </a:solidFill>
-                </a:uFill>
-                <a:latin typeface="Arial"/>
-                <a:ea typeface="DejaVu Sans"/>
-              </a:rPr>
-              <a:t>月着陸船ゲームに</a:t>
-            </a:r>
-            <a:endParaRPr b="0" lang="en-US" sz="1800" spc="-1" strike="noStrike">
-              <a:solidFill>
-                <a:srgbClr val="000000"/>
-              </a:solidFill>
-              <a:uFill>
-                <a:solidFill>
-                  <a:srgbClr val="ffffff"/>
-                </a:solidFill>
-              </a:uFill>
-              <a:latin typeface="Arial"/>
-            </a:endParaRPr>
-          </a:p>
-          <a:p>
-            <a:pPr algn="r">
-              <a:lnSpc>
-                <a:spcPct val="100000"/>
-              </a:lnSpc>
-            </a:pPr>
-            <a:r>
-              <a:rPr b="0" lang="en-US" sz="4000" spc="-1" strike="noStrike">
-                <a:solidFill>
-                  <a:srgbClr val="000000"/>
-                </a:solidFill>
-                <a:uFill>
-                  <a:solidFill>
-                    <a:srgbClr val="ffffff"/>
-                  </a:solidFill>
-                </a:uFill>
-                <a:latin typeface="Arial"/>
-                <a:ea typeface="DejaVu Sans"/>
-              </a:rPr>
-              <a:t>サーバー通信を使った機能を実装する</a:t>
+              <a:t>「月着陸船ゲーム＋」を作ったことについて</a:t>
             </a:r>
             <a:endParaRPr b="0" lang="en-US" sz="1800" spc="-1" strike="noStrike">
               <a:solidFill>
@@ -4154,14 +4118,14 @@
       </p:grpSpPr>
       <p:sp>
         <p:nvSpPr>
-          <p:cNvPr id="85" name="CustomShape 1"/>
+          <p:cNvPr id="91" name="CustomShape 1"/>
           <p:cNvSpPr/>
           <p:nvPr/>
         </p:nvSpPr>
         <p:spPr>
           <a:xfrm>
             <a:off x="390600" y="2914560"/>
-            <a:ext cx="9070920" cy="1261440"/>
+            <a:ext cx="9070560" cy="1261080"/>
           </a:xfrm>
           <a:prstGeom prst="rect">
             <a:avLst/>
@@ -4186,6 +4150,21 @@
               </a:lnSpc>
             </a:pPr>
             <a:r>
+              <a:rPr b="1" lang="en-US" sz="3600" spc="-1" strike="noStrike">
+                <a:solidFill>
+                  <a:srgbClr val="000000"/>
+                </a:solidFill>
+                <a:uFill>
+                  <a:solidFill>
+                    <a:srgbClr val="ffffff"/>
+                  </a:solidFill>
+                </a:uFill>
+                <a:latin typeface="Arial"/>
+                <a:ea typeface="DejaVu Sans"/>
+              </a:rPr>
+              <a:t>SNS</a:t>
+            </a:r>
+            <a:r>
               <a:rPr b="0" lang="en-US" sz="3600" spc="-1" strike="noStrike">
                 <a:solidFill>
                   <a:srgbClr val="000000"/>
@@ -4198,9 +4177,9 @@
                 <a:latin typeface="Arial"/>
                 <a:ea typeface="DejaVu Sans"/>
               </a:rPr>
-              <a:t>スコアログ</a:t>
-            </a:r>
-            <a:endParaRPr b="0" lang="en-US" sz="3600" spc="-1" strike="noStrike">
+              <a:t>アカウントの利用</a:t>
+            </a:r>
+            <a:endParaRPr b="0" lang="en-US" sz="1800" spc="-1" strike="noStrike">
               <a:solidFill>
                 <a:srgbClr val="000000"/>
               </a:solidFill>
@@ -4265,14 +4244,14 @@
       </p:grpSpPr>
       <p:sp>
         <p:nvSpPr>
-          <p:cNvPr id="86" name="CustomShape 1"/>
-          <p:cNvSpPr/>
+          <p:cNvPr id="92" name="TextShape 1"/>
+          <p:cNvSpPr txBox="1"/>
           <p:nvPr/>
         </p:nvSpPr>
         <p:spPr>
           <a:xfrm>
-            <a:off x="390600" y="2914560"/>
-            <a:ext cx="9070920" cy="1261440"/>
+            <a:off x="1296000" y="1224000"/>
+            <a:ext cx="7848000" cy="1032120"/>
           </a:xfrm>
           <a:prstGeom prst="rect">
             <a:avLst/>
@@ -4282,36 +4261,65 @@
             <a:noFill/>
           </a:ln>
         </p:spPr>
-        <p:style>
-          <a:lnRef idx="0"/>
-          <a:fillRef idx="0"/>
-          <a:effectRef idx="0"/>
-          <a:fontRef idx="minor"/>
-        </p:style>
-        <p:txBody>
-          <a:bodyPr lIns="0" rIns="0" tIns="0" bIns="0" anchor="ctr"/>
-          <a:p>
-            <a:pPr algn="ctr">
-              <a:lnSpc>
-                <a:spcPct val="100000"/>
-              </a:lnSpc>
-            </a:pPr>
-            <a:r>
-              <a:rPr b="0" lang="en-US" sz="3600" spc="-1" strike="noStrike">
-                <a:solidFill>
-                  <a:srgbClr val="000000"/>
-                </a:solidFill>
-                <a:uFill>
-                  <a:solidFill>
-                    <a:srgbClr val="ffffff"/>
-                  </a:solidFill>
-                </a:uFill>
-                <a:latin typeface="Arial"/>
-                <a:ea typeface="DejaVu Sans"/>
-              </a:rPr>
-              <a:t>スコアランキング</a:t>
-            </a:r>
-            <a:endParaRPr b="0" lang="en-US" sz="3600" spc="-1" strike="noStrike">
+        <p:txBody>
+          <a:bodyPr lIns="90000" rIns="90000" tIns="45000" bIns="45000"/>
+          <a:p>
+            <a:r>
+              <a:rPr b="0" lang="en-US" sz="1800" spc="-1" strike="noStrike">
+                <a:solidFill>
+                  <a:srgbClr val="000000"/>
+                </a:solidFill>
+                <a:uFill>
+                  <a:solidFill>
+                    <a:srgbClr val="ffffff"/>
+                  </a:solidFill>
+                </a:uFill>
+                <a:latin typeface="Arial"/>
+              </a:rPr>
+              <a:t>最近よく見る</a:t>
+            </a:r>
+            <a:r>
+              <a:rPr b="0" lang="en-US" sz="1800" spc="-1" strike="noStrike">
+                <a:solidFill>
+                  <a:srgbClr val="000000"/>
+                </a:solidFill>
+                <a:uFill>
+                  <a:solidFill>
+                    <a:srgbClr val="ffffff"/>
+                  </a:solidFill>
+                </a:uFill>
+                <a:latin typeface="Arial"/>
+              </a:rPr>
+              <a:t>SNS</a:t>
+            </a:r>
+            <a:r>
+              <a:rPr b="0" lang="en-US" sz="1800" spc="-1" strike="noStrike">
+                <a:solidFill>
+                  <a:srgbClr val="000000"/>
+                </a:solidFill>
+                <a:uFill>
+                  <a:solidFill>
+                    <a:srgbClr val="ffffff"/>
+                  </a:solidFill>
+                </a:uFill>
+                <a:latin typeface="Arial"/>
+              </a:rPr>
+              <a:t>のアカウントを利用し、アカウント作成の手間を省く</a:t>
+            </a:r>
+            <a:endParaRPr b="0" lang="en-US" sz="1800" spc="-1" strike="noStrike">
+              <a:solidFill>
+                <a:srgbClr val="000000"/>
+              </a:solidFill>
+              <a:uFill>
+                <a:solidFill>
+                  <a:srgbClr val="ffffff"/>
+                </a:solidFill>
+              </a:uFill>
+              <a:latin typeface="Arial"/>
+            </a:endParaRPr>
+          </a:p>
+          <a:p>
+            <a:endParaRPr b="0" lang="en-US" sz="1800" spc="-1" strike="noStrike">
               <a:solidFill>
                 <a:srgbClr val="000000"/>
               </a:solidFill>
@@ -4376,14 +4384,14 @@
       </p:grpSpPr>
       <p:sp>
         <p:nvSpPr>
-          <p:cNvPr id="87" name="CustomShape 1"/>
-          <p:cNvSpPr/>
+          <p:cNvPr id="93" name="TextShape 1"/>
+          <p:cNvSpPr txBox="1"/>
           <p:nvPr/>
         </p:nvSpPr>
         <p:spPr>
           <a:xfrm>
-            <a:off x="504000" y="301320"/>
-            <a:ext cx="9070920" cy="1261440"/>
+            <a:off x="936000" y="576000"/>
+            <a:ext cx="6552000" cy="803520"/>
           </a:xfrm>
           <a:prstGeom prst="rect">
             <a:avLst/>
@@ -4393,34 +4401,50 @@
             <a:noFill/>
           </a:ln>
         </p:spPr>
-        <p:style>
-          <a:lnRef idx="0"/>
-          <a:fillRef idx="0"/>
-          <a:effectRef idx="0"/>
-          <a:fontRef idx="minor"/>
-        </p:style>
-        <p:txBody>
-          <a:bodyPr lIns="0" rIns="0" tIns="0" bIns="0" anchor="ctr"/>
-          <a:p>
-            <a:pPr algn="ctr">
-              <a:lnSpc>
-                <a:spcPct val="100000"/>
-              </a:lnSpc>
-            </a:pPr>
-            <a:r>
-              <a:rPr b="0" lang="en-US" sz="4400" spc="-1" strike="noStrike">
-                <a:solidFill>
-                  <a:srgbClr val="000000"/>
-                </a:solidFill>
-                <a:uFill>
-                  <a:solidFill>
-                    <a:srgbClr val="ffffff"/>
-                  </a:solidFill>
-                </a:uFill>
-                <a:latin typeface="Arial"/>
-                <a:ea typeface="DejaVu Sans"/>
-              </a:rPr>
-              <a:t>４．感想と反省</a:t>
+        <p:txBody>
+          <a:bodyPr lIns="90000" rIns="90000" tIns="45000" bIns="45000"/>
+          <a:p>
+            <a:r>
+              <a:rPr b="0" lang="en-US" sz="1800" spc="-1" strike="noStrike">
+                <a:solidFill>
+                  <a:srgbClr val="000000"/>
+                </a:solidFill>
+                <a:uFill>
+                  <a:solidFill>
+                    <a:srgbClr val="ffffff"/>
+                  </a:solidFill>
+                </a:uFill>
+                <a:latin typeface="Arial"/>
+              </a:rPr>
+              <a:t>アプリを認証してもらい</a:t>
+            </a:r>
+            <a:r>
+              <a:rPr b="0" lang="en-US" sz="1800" spc="-1" strike="noStrike">
+                <a:solidFill>
+                  <a:srgbClr val="000000"/>
+                </a:solidFill>
+                <a:uFill>
+                  <a:solidFill>
+                    <a:srgbClr val="ffffff"/>
+                  </a:solidFill>
+                </a:uFill>
+                <a:latin typeface="Arial"/>
+              </a:rPr>
+              <a:t>SNS</a:t>
+            </a:r>
+            <a:r>
+              <a:rPr b="0" lang="en-US" sz="1800" spc="-1" strike="noStrike">
+                <a:solidFill>
+                  <a:srgbClr val="000000"/>
+                </a:solidFill>
+                <a:uFill>
+                  <a:solidFill>
+                    <a:srgbClr val="ffffff"/>
+                  </a:solidFill>
+                </a:uFill>
+                <a:latin typeface="Arial"/>
+              </a:rPr>
+              <a:t>の個人データにアクセスする流れ</a:t>
             </a:r>
             <a:endParaRPr b="0" lang="en-US" sz="1800" spc="-1" strike="noStrike">
               <a:solidFill>
@@ -4434,50 +4458,34 @@
               <a:latin typeface="Arial"/>
             </a:endParaRPr>
           </a:p>
-        </p:txBody>
-      </p:sp>
-      <p:sp>
-        <p:nvSpPr>
-          <p:cNvPr id="88" name="CustomShape 2"/>
-          <p:cNvSpPr/>
-          <p:nvPr/>
-        </p:nvSpPr>
-        <p:spPr>
-          <a:xfrm>
-            <a:off x="792000" y="2664000"/>
-            <a:ext cx="8639280" cy="2807280"/>
-          </a:xfrm>
-          <a:prstGeom prst="rect">
-            <a:avLst/>
-          </a:prstGeom>
-          <a:noFill/>
-          <a:ln w="36000">
-            <a:noFill/>
-          </a:ln>
-        </p:spPr>
-        <p:style>
-          <a:lnRef idx="0"/>
-          <a:fillRef idx="0"/>
-          <a:effectRef idx="0"/>
-          <a:fontRef idx="minor"/>
-        </p:style>
-        <p:txBody>
-          <a:bodyPr lIns="90000" rIns="90000" tIns="45000" bIns="45000"/>
-          <a:p>
-            <a:r>
-              <a:rPr b="0" lang="en-US" sz="2800" spc="-1" strike="noStrike">
-                <a:solidFill>
-                  <a:srgbClr val="000000"/>
-                </a:solidFill>
-                <a:uFill>
-                  <a:solidFill>
-                    <a:srgbClr val="ffffff"/>
-                  </a:solidFill>
-                </a:uFill>
-                <a:latin typeface="Arial"/>
-                <a:ea typeface="DejaVu Sans"/>
-              </a:rPr>
-              <a:t>・</a:t>
+          <a:p>
+            <a:r>
+              <a:rPr b="0" lang="en-US" sz="1800" spc="-1" strike="noStrike">
+                <a:solidFill>
+                  <a:srgbClr val="000000"/>
+                </a:solidFill>
+                <a:uFill>
+                  <a:solidFill>
+                    <a:srgbClr val="ffffff"/>
+                  </a:solidFill>
+                </a:uFill>
+                <a:latin typeface="Arial"/>
+              </a:rPr>
+              <a:t>SNS</a:t>
+            </a:r>
+            <a:r>
+              <a:rPr b="0" lang="en-US" sz="1800" spc="-1" strike="noStrike">
+                <a:solidFill>
+                  <a:srgbClr val="000000"/>
+                </a:solidFill>
+                <a:uFill>
+                  <a:solidFill>
+                    <a:srgbClr val="ffffff"/>
+                  </a:solidFill>
+                </a:uFill>
+                <a:latin typeface="Arial"/>
+              </a:rPr>
+              <a:t>によって取得できるデータは様々</a:t>
             </a:r>
             <a:endParaRPr b="0" lang="en-US" sz="1800" spc="-1" strike="noStrike">
               <a:solidFill>
@@ -4544,14 +4552,14 @@
       </p:grpSpPr>
       <p:sp>
         <p:nvSpPr>
-          <p:cNvPr id="89" name="CustomShape 1"/>
-          <p:cNvSpPr/>
+          <p:cNvPr id="94" name="TextShape 1"/>
+          <p:cNvSpPr txBox="1"/>
           <p:nvPr/>
         </p:nvSpPr>
         <p:spPr>
           <a:xfrm>
-            <a:off x="504000" y="3060000"/>
-            <a:ext cx="9070920" cy="1261440"/>
+            <a:off x="1368000" y="1872000"/>
+            <a:ext cx="5904000" cy="776160"/>
           </a:xfrm>
           <a:prstGeom prst="rect">
             <a:avLst/>
@@ -4561,35 +4569,49 @@
             <a:noFill/>
           </a:ln>
         </p:spPr>
-        <p:style>
-          <a:lnRef idx="0"/>
-          <a:fillRef idx="0"/>
-          <a:effectRef idx="0"/>
-          <a:fontRef idx="minor"/>
-        </p:style>
-        <p:txBody>
-          <a:bodyPr lIns="0" rIns="0" tIns="0" bIns="0" anchor="ctr"/>
-          <a:p>
-            <a:pPr algn="ctr">
-              <a:lnSpc>
-                <a:spcPct val="100000"/>
-              </a:lnSpc>
-            </a:pPr>
-            <a:r>
-              <a:rPr b="0" lang="en-US" sz="4400" spc="-1" strike="noStrike">
-                <a:solidFill>
-                  <a:srgbClr val="000000"/>
-                </a:solidFill>
-                <a:uFill>
-                  <a:solidFill>
-                    <a:srgbClr val="ffffff"/>
-                  </a:solidFill>
-                </a:uFill>
-                <a:latin typeface="Arial"/>
-                <a:ea typeface="DejaVu Sans"/>
-              </a:rPr>
-              <a:t>ご清聴ありがとうございました。</a:t>
-            </a:r>
+        <p:txBody>
+          <a:bodyPr lIns="90000" rIns="90000" tIns="45000" bIns="45000"/>
+          <a:p>
+            <a:r>
+              <a:rPr b="0" lang="en-US" sz="1800" spc="-1" strike="noStrike">
+                <a:solidFill>
+                  <a:srgbClr val="000000"/>
+                </a:solidFill>
+                <a:uFill>
+                  <a:solidFill>
+                    <a:srgbClr val="ffffff"/>
+                  </a:solidFill>
+                </a:uFill>
+                <a:latin typeface="Arial"/>
+              </a:rPr>
+              <a:t>様々な問題によって理想的な実装は叶わなかった。</a:t>
+            </a:r>
+            <a:endParaRPr b="0" lang="en-US" sz="1800" spc="-1" strike="noStrike">
+              <a:solidFill>
+                <a:srgbClr val="000000"/>
+              </a:solidFill>
+              <a:uFill>
+                <a:solidFill>
+                  <a:srgbClr val="ffffff"/>
+                </a:solidFill>
+              </a:uFill>
+              <a:latin typeface="Arial"/>
+            </a:endParaRPr>
+          </a:p>
+          <a:p>
+            <a:endParaRPr b="0" lang="en-US" sz="1800" spc="-1" strike="noStrike">
+              <a:solidFill>
+                <a:srgbClr val="000000"/>
+              </a:solidFill>
+              <a:uFill>
+                <a:solidFill>
+                  <a:srgbClr val="ffffff"/>
+                </a:solidFill>
+              </a:uFill>
+              <a:latin typeface="Arial"/>
+            </a:endParaRPr>
+          </a:p>
+          <a:p>
             <a:endParaRPr b="0" lang="en-US" sz="1800" spc="-1" strike="noStrike">
               <a:solidFill>
                 <a:srgbClr val="000000"/>
@@ -4613,6 +4635,1347 @@
           <p:childTnLst>
             <p:seq>
               <p:cTn id="26" nodeType="mainSeq"/>
+              <p:prevCondLst>
+                <p:cond delay="0" evt="onPrev">
+                  <p:tgtEl>
+                    <p:sldTgt/>
+                  </p:tgtEl>
+                </p:cond>
+              </p:prevCondLst>
+              <p:nextCondLst>
+                <p:cond delay="0" evt="onNext">
+                  <p:tgtEl>
+                    <p:sldTgt/>
+                  </p:tgtEl>
+                </p:cond>
+              </p:nextCondLst>
+            </p:seq>
+          </p:childTnLst>
+        </p:cTn>
+      </p:par>
+    </p:tnLst>
+  </p:timing>
+</p:sld>
+</file>
+
+<file path=ppt/slides/slide14.xml><?xml version="1.0" encoding="utf-8"?>
+<p:sld xmlns:a="http://schemas.openxmlformats.org/drawingml/2006/main" xmlns:p="http://schemas.openxmlformats.org/presentationml/2006/main" xmlns:r="http://schemas.openxmlformats.org/officeDocument/2006/relationships" xmlns:p14="http://schemas.microsoft.com/office/powerpoint/2010/main" xmlns:p15="http://schemas.microsoft.com/office/powerpoint/2012/main" xmlns:mc="http://schemas.openxmlformats.org/markup-compatibility/2006">
+  <p:cSld>
+    <p:spTree>
+      <p:nvGrpSpPr>
+        <p:cNvPr id="1" name=""/>
+        <p:cNvGrpSpPr/>
+        <p:nvPr/>
+      </p:nvGrpSpPr>
+      <p:grpSpPr>
+        <a:xfrm>
+          <a:off x="0" y="0"/>
+          <a:ext cx="0" cy="0"/>
+          <a:chOff x="0" y="0"/>
+          <a:chExt cx="0" cy="0"/>
+        </a:xfrm>
+      </p:grpSpPr>
+      <p:sp>
+        <p:nvSpPr>
+          <p:cNvPr id="95" name="TextShape 1"/>
+          <p:cNvSpPr txBox="1"/>
+          <p:nvPr/>
+        </p:nvSpPr>
+        <p:spPr>
+          <a:xfrm>
+            <a:off x="1368000" y="1872000"/>
+            <a:ext cx="5904000" cy="1260720"/>
+          </a:xfrm>
+          <a:prstGeom prst="rect">
+            <a:avLst/>
+          </a:prstGeom>
+          <a:noFill/>
+          <a:ln>
+            <a:noFill/>
+          </a:ln>
+        </p:spPr>
+        <p:txBody>
+          <a:bodyPr lIns="90000" rIns="90000" tIns="45000" bIns="45000"/>
+          <a:p>
+            <a:r>
+              <a:rPr b="0" lang="en-US" sz="1800" spc="-1" strike="noStrike">
+                <a:solidFill>
+                  <a:srgbClr val="000000"/>
+                </a:solidFill>
+                <a:uFill>
+                  <a:solidFill>
+                    <a:srgbClr val="ffffff"/>
+                  </a:solidFill>
+                </a:uFill>
+                <a:latin typeface="Arial"/>
+              </a:rPr>
+              <a:t>でも</a:t>
+            </a:r>
+            <a:r>
+              <a:rPr b="0" lang="en-US" sz="1800" spc="-1" strike="noStrike">
+                <a:solidFill>
+                  <a:srgbClr val="000000"/>
+                </a:solidFill>
+                <a:uFill>
+                  <a:solidFill>
+                    <a:srgbClr val="ffffff"/>
+                  </a:solidFill>
+                </a:uFill>
+                <a:latin typeface="Arial"/>
+              </a:rPr>
+              <a:t>SNS</a:t>
+            </a:r>
+            <a:r>
+              <a:rPr b="0" lang="en-US" sz="1800" spc="-1" strike="noStrike">
+                <a:solidFill>
+                  <a:srgbClr val="000000"/>
+                </a:solidFill>
+                <a:uFill>
+                  <a:solidFill>
+                    <a:srgbClr val="ffffff"/>
+                  </a:solidFill>
+                </a:uFill>
+                <a:latin typeface="Arial"/>
+              </a:rPr>
+              <a:t>アカウントを利用したい</a:t>
+            </a:r>
+            <a:endParaRPr b="0" lang="en-US" sz="1800" spc="-1" strike="noStrike">
+              <a:solidFill>
+                <a:srgbClr val="000000"/>
+              </a:solidFill>
+              <a:uFill>
+                <a:solidFill>
+                  <a:srgbClr val="ffffff"/>
+                </a:solidFill>
+              </a:uFill>
+              <a:latin typeface="Arial"/>
+            </a:endParaRPr>
+          </a:p>
+          <a:p>
+            <a:endParaRPr b="0" lang="en-US" sz="1800" spc="-1" strike="noStrike">
+              <a:solidFill>
+                <a:srgbClr val="000000"/>
+              </a:solidFill>
+              <a:uFill>
+                <a:solidFill>
+                  <a:srgbClr val="ffffff"/>
+                </a:solidFill>
+              </a:uFill>
+              <a:latin typeface="Arial"/>
+            </a:endParaRPr>
+          </a:p>
+          <a:p>
+            <a:r>
+              <a:rPr b="0" lang="en-US" sz="1800" spc="-1" strike="noStrike">
+                <a:solidFill>
+                  <a:srgbClr val="000000"/>
+                </a:solidFill>
+                <a:uFill>
+                  <a:solidFill>
+                    <a:srgbClr val="ffffff"/>
+                  </a:solidFill>
+                </a:uFill>
+                <a:latin typeface="Arial"/>
+              </a:rPr>
+              <a:t>ここでまたニフティ本に救われる</a:t>
+            </a:r>
+            <a:endParaRPr b="0" lang="en-US" sz="1800" spc="-1" strike="noStrike">
+              <a:solidFill>
+                <a:srgbClr val="000000"/>
+              </a:solidFill>
+              <a:uFill>
+                <a:solidFill>
+                  <a:srgbClr val="ffffff"/>
+                </a:solidFill>
+              </a:uFill>
+              <a:latin typeface="Arial"/>
+            </a:endParaRPr>
+          </a:p>
+          <a:p>
+            <a:endParaRPr b="0" lang="en-US" sz="1800" spc="-1" strike="noStrike">
+              <a:solidFill>
+                <a:srgbClr val="000000"/>
+              </a:solidFill>
+              <a:uFill>
+                <a:solidFill>
+                  <a:srgbClr val="ffffff"/>
+                </a:solidFill>
+              </a:uFill>
+              <a:latin typeface="Arial"/>
+            </a:endParaRPr>
+          </a:p>
+          <a:p>
+            <a:endParaRPr b="0" lang="en-US" sz="1800" spc="-1" strike="noStrike">
+              <a:solidFill>
+                <a:srgbClr val="000000"/>
+              </a:solidFill>
+              <a:uFill>
+                <a:solidFill>
+                  <a:srgbClr val="ffffff"/>
+                </a:solidFill>
+              </a:uFill>
+              <a:latin typeface="Arial"/>
+            </a:endParaRPr>
+          </a:p>
+        </p:txBody>
+      </p:sp>
+    </p:spTree>
+  </p:cSld>
+  <p:timing>
+    <p:tnLst>
+      <p:par>
+        <p:cTn id="27" dur="indefinite" restart="never" nodeType="tmRoot">
+          <p:childTnLst>
+            <p:seq>
+              <p:cTn id="28" nodeType="mainSeq"/>
+              <p:prevCondLst>
+                <p:cond delay="0" evt="onPrev">
+                  <p:tgtEl>
+                    <p:sldTgt/>
+                  </p:tgtEl>
+                </p:cond>
+              </p:prevCondLst>
+              <p:nextCondLst>
+                <p:cond delay="0" evt="onNext">
+                  <p:tgtEl>
+                    <p:sldTgt/>
+                  </p:tgtEl>
+                </p:cond>
+              </p:nextCondLst>
+            </p:seq>
+          </p:childTnLst>
+        </p:cTn>
+      </p:par>
+    </p:tnLst>
+  </p:timing>
+</p:sld>
+</file>
+
+<file path=ppt/slides/slide15.xml><?xml version="1.0" encoding="utf-8"?>
+<p:sld xmlns:a="http://schemas.openxmlformats.org/drawingml/2006/main" xmlns:p="http://schemas.openxmlformats.org/presentationml/2006/main" xmlns:r="http://schemas.openxmlformats.org/officeDocument/2006/relationships" xmlns:p14="http://schemas.microsoft.com/office/powerpoint/2010/main" xmlns:p15="http://schemas.microsoft.com/office/powerpoint/2012/main" xmlns:mc="http://schemas.openxmlformats.org/markup-compatibility/2006">
+  <p:cSld>
+    <p:spTree>
+      <p:nvGrpSpPr>
+        <p:cNvPr id="1" name=""/>
+        <p:cNvGrpSpPr/>
+        <p:nvPr/>
+      </p:nvGrpSpPr>
+      <p:grpSpPr>
+        <a:xfrm>
+          <a:off x="0" y="0"/>
+          <a:ext cx="0" cy="0"/>
+          <a:chOff x="0" y="0"/>
+          <a:chExt cx="0" cy="0"/>
+        </a:xfrm>
+      </p:grpSpPr>
+      <p:sp>
+        <p:nvSpPr>
+          <p:cNvPr id="96" name="CustomShape 1"/>
+          <p:cNvSpPr/>
+          <p:nvPr/>
+        </p:nvSpPr>
+        <p:spPr>
+          <a:xfrm>
+            <a:off x="390600" y="2914560"/>
+            <a:ext cx="9070560" cy="1261080"/>
+          </a:xfrm>
+          <a:prstGeom prst="rect">
+            <a:avLst/>
+          </a:prstGeom>
+          <a:noFill/>
+          <a:ln>
+            <a:noFill/>
+          </a:ln>
+        </p:spPr>
+        <p:style>
+          <a:lnRef idx="0"/>
+          <a:fillRef idx="0"/>
+          <a:effectRef idx="0"/>
+          <a:fontRef idx="minor"/>
+        </p:style>
+        <p:txBody>
+          <a:bodyPr lIns="0" rIns="0" tIns="0" bIns="0" anchor="ctr"/>
+          <a:p>
+            <a:pPr algn="ctr">
+              <a:lnSpc>
+                <a:spcPct val="100000"/>
+              </a:lnSpc>
+            </a:pPr>
+            <a:r>
+              <a:rPr b="0" lang="en-US" sz="3600" spc="-1" strike="noStrike">
+                <a:solidFill>
+                  <a:srgbClr val="000000"/>
+                </a:solidFill>
+                <a:uFill>
+                  <a:solidFill>
+                    <a:srgbClr val="ffffff"/>
+                  </a:solidFill>
+                </a:uFill>
+                <a:latin typeface="Arial"/>
+                <a:ea typeface="DejaVu Sans"/>
+              </a:rPr>
+              <a:t>アカウント引き継ぎ</a:t>
+            </a:r>
+            <a:endParaRPr b="0" lang="en-US" sz="1800" spc="-1" strike="noStrike">
+              <a:solidFill>
+                <a:srgbClr val="000000"/>
+              </a:solidFill>
+              <a:uFill>
+                <a:solidFill>
+                  <a:srgbClr val="ffffff"/>
+                </a:solidFill>
+              </a:uFill>
+              <a:latin typeface="Arial"/>
+            </a:endParaRPr>
+          </a:p>
+        </p:txBody>
+      </p:sp>
+    </p:spTree>
+  </p:cSld>
+  <p:timing>
+    <p:tnLst>
+      <p:par>
+        <p:cTn id="29" dur="indefinite" restart="never" nodeType="tmRoot">
+          <p:childTnLst>
+            <p:seq>
+              <p:cTn id="30" nodeType="mainSeq"/>
+              <p:prevCondLst>
+                <p:cond delay="0" evt="onPrev">
+                  <p:tgtEl>
+                    <p:sldTgt/>
+                  </p:tgtEl>
+                </p:cond>
+              </p:prevCondLst>
+              <p:nextCondLst>
+                <p:cond delay="0" evt="onNext">
+                  <p:tgtEl>
+                    <p:sldTgt/>
+                  </p:tgtEl>
+                </p:cond>
+              </p:nextCondLst>
+            </p:seq>
+          </p:childTnLst>
+        </p:cTn>
+      </p:par>
+    </p:tnLst>
+  </p:timing>
+</p:sld>
+</file>
+
+<file path=ppt/slides/slide16.xml><?xml version="1.0" encoding="utf-8"?>
+<p:sld xmlns:a="http://schemas.openxmlformats.org/drawingml/2006/main" xmlns:p="http://schemas.openxmlformats.org/presentationml/2006/main" xmlns:r="http://schemas.openxmlformats.org/officeDocument/2006/relationships" xmlns:p14="http://schemas.microsoft.com/office/powerpoint/2010/main" xmlns:p15="http://schemas.microsoft.com/office/powerpoint/2012/main" xmlns:mc="http://schemas.openxmlformats.org/markup-compatibility/2006">
+  <p:cSld>
+    <p:spTree>
+      <p:nvGrpSpPr>
+        <p:cNvPr id="1" name=""/>
+        <p:cNvGrpSpPr/>
+        <p:nvPr/>
+      </p:nvGrpSpPr>
+      <p:grpSpPr>
+        <a:xfrm>
+          <a:off x="0" y="0"/>
+          <a:ext cx="0" cy="0"/>
+          <a:chOff x="0" y="0"/>
+          <a:chExt cx="0" cy="0"/>
+        </a:xfrm>
+      </p:grpSpPr>
+      <p:sp>
+        <p:nvSpPr>
+          <p:cNvPr id="97" name="TextShape 1"/>
+          <p:cNvSpPr txBox="1"/>
+          <p:nvPr/>
+        </p:nvSpPr>
+        <p:spPr>
+          <a:xfrm>
+            <a:off x="1296000" y="1152000"/>
+            <a:ext cx="6552000" cy="3456000"/>
+          </a:xfrm>
+          <a:prstGeom prst="rect">
+            <a:avLst/>
+          </a:prstGeom>
+          <a:noFill/>
+          <a:ln>
+            <a:noFill/>
+          </a:ln>
+        </p:spPr>
+        <p:txBody>
+          <a:bodyPr lIns="90000" rIns="90000" tIns="45000" bIns="45000"/>
+          <a:p>
+            <a:r>
+              <a:rPr b="0" lang="en-US" sz="1800" spc="-1" strike="noStrike">
+                <a:solidFill>
+                  <a:srgbClr val="000000"/>
+                </a:solidFill>
+                <a:uFill>
+                  <a:solidFill>
+                    <a:srgbClr val="ffffff"/>
+                  </a:solidFill>
+                </a:uFill>
+                <a:latin typeface="Arial"/>
+              </a:rPr>
+              <a:t>アカウントに</a:t>
+            </a:r>
+            <a:r>
+              <a:rPr b="0" lang="en-US" sz="1800" spc="-1" strike="noStrike">
+                <a:solidFill>
+                  <a:srgbClr val="000000"/>
+                </a:solidFill>
+                <a:uFill>
+                  <a:solidFill>
+                    <a:srgbClr val="ffffff"/>
+                  </a:solidFill>
+                </a:uFill>
+                <a:latin typeface="Arial"/>
+              </a:rPr>
+              <a:t>GoogleID</a:t>
+            </a:r>
+            <a:r>
+              <a:rPr b="0" lang="en-US" sz="1800" spc="-1" strike="noStrike">
+                <a:solidFill>
+                  <a:srgbClr val="000000"/>
+                </a:solidFill>
+                <a:uFill>
+                  <a:solidFill>
+                    <a:srgbClr val="ffffff"/>
+                  </a:solidFill>
+                </a:uFill>
+                <a:latin typeface="Arial"/>
+              </a:rPr>
+              <a:t>を登録する</a:t>
+            </a:r>
+            <a:endParaRPr b="0" lang="en-US" sz="1800" spc="-1" strike="noStrike">
+              <a:solidFill>
+                <a:srgbClr val="000000"/>
+              </a:solidFill>
+              <a:uFill>
+                <a:solidFill>
+                  <a:srgbClr val="ffffff"/>
+                </a:solidFill>
+              </a:uFill>
+              <a:latin typeface="Arial"/>
+            </a:endParaRPr>
+          </a:p>
+          <a:p>
+            <a:r>
+              <a:rPr b="0" lang="en-US" sz="1800" spc="-1" strike="noStrike">
+                <a:solidFill>
+                  <a:srgbClr val="000000"/>
+                </a:solidFill>
+                <a:uFill>
+                  <a:solidFill>
+                    <a:srgbClr val="ffffff"/>
+                  </a:solidFill>
+                </a:uFill>
+                <a:latin typeface="Arial"/>
+              </a:rPr>
+              <a:t>引き継ぎ処理は</a:t>
+            </a:r>
+            <a:r>
+              <a:rPr b="0" lang="en-US" sz="1800" spc="-1" strike="noStrike">
+                <a:solidFill>
+                  <a:srgbClr val="000000"/>
+                </a:solidFill>
+                <a:uFill>
+                  <a:solidFill>
+                    <a:srgbClr val="ffffff"/>
+                  </a:solidFill>
+                </a:uFill>
+                <a:latin typeface="Arial"/>
+              </a:rPr>
+              <a:t>GoogleID</a:t>
+            </a:r>
+            <a:r>
+              <a:rPr b="0" lang="en-US" sz="1800" spc="-1" strike="noStrike">
+                <a:solidFill>
+                  <a:srgbClr val="000000"/>
+                </a:solidFill>
+                <a:uFill>
+                  <a:solidFill>
+                    <a:srgbClr val="ffffff"/>
+                  </a:solidFill>
+                </a:uFill>
+                <a:latin typeface="Arial"/>
+              </a:rPr>
+              <a:t>を検索して、アカウントを特定する。</a:t>
+            </a:r>
+            <a:endParaRPr b="0" lang="en-US" sz="1800" spc="-1" strike="noStrike">
+              <a:solidFill>
+                <a:srgbClr val="000000"/>
+              </a:solidFill>
+              <a:uFill>
+                <a:solidFill>
+                  <a:srgbClr val="ffffff"/>
+                </a:solidFill>
+              </a:uFill>
+              <a:latin typeface="Arial"/>
+            </a:endParaRPr>
+          </a:p>
+          <a:p>
+            <a:r>
+              <a:rPr b="0" lang="en-US" sz="1800" spc="-1" strike="noStrike">
+                <a:solidFill>
+                  <a:srgbClr val="000000"/>
+                </a:solidFill>
+                <a:uFill>
+                  <a:solidFill>
+                    <a:srgbClr val="ffffff"/>
+                  </a:solidFill>
+                </a:uFill>
+                <a:latin typeface="Arial"/>
+              </a:rPr>
+              <a:t>OAuth</a:t>
+            </a:r>
+            <a:r>
+              <a:rPr b="0" lang="en-US" sz="1800" spc="-1" strike="noStrike">
+                <a:solidFill>
+                  <a:srgbClr val="000000"/>
+                </a:solidFill>
+                <a:uFill>
+                  <a:solidFill>
+                    <a:srgbClr val="ffffff"/>
+                  </a:solidFill>
+                </a:uFill>
+                <a:latin typeface="Arial"/>
+              </a:rPr>
+              <a:t>認証</a:t>
+            </a:r>
+            <a:r>
+              <a:rPr b="0" lang="en-US" sz="1800" spc="-1" strike="noStrike">
+                <a:solidFill>
+                  <a:srgbClr val="000000"/>
+                </a:solidFill>
+                <a:uFill>
+                  <a:solidFill>
+                    <a:srgbClr val="ffffff"/>
+                  </a:solidFill>
+                </a:uFill>
+                <a:latin typeface="Arial"/>
+              </a:rPr>
+              <a:t>(</a:t>
+            </a:r>
+            <a:r>
+              <a:rPr b="0" lang="en-US" sz="1800" spc="-1" strike="noStrike">
+                <a:solidFill>
+                  <a:srgbClr val="000000"/>
+                </a:solidFill>
+                <a:uFill>
+                  <a:solidFill>
+                    <a:srgbClr val="ffffff"/>
+                  </a:solidFill>
+                </a:uFill>
+                <a:latin typeface="Arial"/>
+              </a:rPr>
+              <a:t>オース認証</a:t>
+            </a:r>
+            <a:r>
+              <a:rPr b="0" lang="en-US" sz="1800" spc="-1" strike="noStrike">
+                <a:solidFill>
+                  <a:srgbClr val="000000"/>
+                </a:solidFill>
+                <a:uFill>
+                  <a:solidFill>
+                    <a:srgbClr val="ffffff"/>
+                  </a:solidFill>
+                </a:uFill>
+                <a:latin typeface="Arial"/>
+              </a:rPr>
+              <a:t>)</a:t>
+            </a:r>
+            <a:r>
+              <a:rPr b="0" lang="en-US" sz="1800" spc="-1" strike="noStrike">
+                <a:solidFill>
+                  <a:srgbClr val="000000"/>
+                </a:solidFill>
+                <a:uFill>
+                  <a:solidFill>
+                    <a:srgbClr val="ffffff"/>
+                  </a:solidFill>
+                </a:uFill>
+                <a:latin typeface="Arial"/>
+              </a:rPr>
+              <a:t>の流れ</a:t>
+            </a:r>
+            <a:endParaRPr b="0" lang="en-US" sz="1800" spc="-1" strike="noStrike">
+              <a:solidFill>
+                <a:srgbClr val="000000"/>
+              </a:solidFill>
+              <a:uFill>
+                <a:solidFill>
+                  <a:srgbClr val="ffffff"/>
+                </a:solidFill>
+              </a:uFill>
+              <a:latin typeface="Arial"/>
+            </a:endParaRPr>
+          </a:p>
+          <a:p>
+            <a:endParaRPr b="0" lang="en-US" sz="1800" spc="-1" strike="noStrike">
+              <a:solidFill>
+                <a:srgbClr val="000000"/>
+              </a:solidFill>
+              <a:uFill>
+                <a:solidFill>
+                  <a:srgbClr val="ffffff"/>
+                </a:solidFill>
+              </a:uFill>
+              <a:latin typeface="Arial"/>
+            </a:endParaRPr>
+          </a:p>
+          <a:p>
+            <a:r>
+              <a:rPr b="0" lang="en-US" sz="1800" spc="-1" strike="noStrike">
+                <a:solidFill>
+                  <a:srgbClr val="000000"/>
+                </a:solidFill>
+                <a:uFill>
+                  <a:solidFill>
+                    <a:srgbClr val="ffffff"/>
+                  </a:solidFill>
+                </a:uFill>
+                <a:latin typeface="Arial"/>
+              </a:rPr>
+              <a:t>理想の流れを紹介</a:t>
+            </a:r>
+            <a:endParaRPr b="0" lang="en-US" sz="1800" spc="-1" strike="noStrike">
+              <a:solidFill>
+                <a:srgbClr val="000000"/>
+              </a:solidFill>
+              <a:uFill>
+                <a:solidFill>
+                  <a:srgbClr val="ffffff"/>
+                </a:solidFill>
+              </a:uFill>
+              <a:latin typeface="Arial"/>
+            </a:endParaRPr>
+          </a:p>
+        </p:txBody>
+      </p:sp>
+    </p:spTree>
+  </p:cSld>
+  <p:timing>
+    <p:tnLst>
+      <p:par>
+        <p:cTn id="31" dur="indefinite" restart="never" nodeType="tmRoot">
+          <p:childTnLst>
+            <p:seq>
+              <p:cTn id="32" nodeType="mainSeq"/>
+              <p:prevCondLst>
+                <p:cond delay="0" evt="onPrev">
+                  <p:tgtEl>
+                    <p:sldTgt/>
+                  </p:tgtEl>
+                </p:cond>
+              </p:prevCondLst>
+              <p:nextCondLst>
+                <p:cond delay="0" evt="onNext">
+                  <p:tgtEl>
+                    <p:sldTgt/>
+                  </p:tgtEl>
+                </p:cond>
+              </p:nextCondLst>
+            </p:seq>
+          </p:childTnLst>
+        </p:cTn>
+      </p:par>
+    </p:tnLst>
+  </p:timing>
+</p:sld>
+</file>
+
+<file path=ppt/slides/slide17.xml><?xml version="1.0" encoding="utf-8"?>
+<p:sld xmlns:a="http://schemas.openxmlformats.org/drawingml/2006/main" xmlns:p="http://schemas.openxmlformats.org/presentationml/2006/main" xmlns:r="http://schemas.openxmlformats.org/officeDocument/2006/relationships" xmlns:p14="http://schemas.microsoft.com/office/powerpoint/2010/main" xmlns:p15="http://schemas.microsoft.com/office/powerpoint/2012/main" xmlns:mc="http://schemas.openxmlformats.org/markup-compatibility/2006">
+  <p:cSld>
+    <p:spTree>
+      <p:nvGrpSpPr>
+        <p:cNvPr id="1" name=""/>
+        <p:cNvGrpSpPr/>
+        <p:nvPr/>
+      </p:nvGrpSpPr>
+      <p:grpSpPr>
+        <a:xfrm>
+          <a:off x="0" y="0"/>
+          <a:ext cx="0" cy="0"/>
+          <a:chOff x="0" y="0"/>
+          <a:chExt cx="0" cy="0"/>
+        </a:xfrm>
+      </p:grpSpPr>
+      <p:sp>
+        <p:nvSpPr>
+          <p:cNvPr id="98" name="TextShape 1"/>
+          <p:cNvSpPr txBox="1"/>
+          <p:nvPr/>
+        </p:nvSpPr>
+        <p:spPr>
+          <a:xfrm>
+            <a:off x="1296000" y="1152000"/>
+            <a:ext cx="6552000" cy="3456000"/>
+          </a:xfrm>
+          <a:prstGeom prst="rect">
+            <a:avLst/>
+          </a:prstGeom>
+          <a:noFill/>
+          <a:ln>
+            <a:noFill/>
+          </a:ln>
+        </p:spPr>
+        <p:txBody>
+          <a:bodyPr lIns="90000" rIns="90000" tIns="45000" bIns="45000"/>
+          <a:p>
+            <a:r>
+              <a:rPr b="0" lang="en-US" sz="1800" spc="-1" strike="noStrike">
+                <a:solidFill>
+                  <a:srgbClr val="000000"/>
+                </a:solidFill>
+                <a:uFill>
+                  <a:solidFill>
+                    <a:srgbClr val="ffffff"/>
+                  </a:solidFill>
+                </a:uFill>
+                <a:latin typeface="Arial"/>
+              </a:rPr>
+              <a:t>そううまくいかず</a:t>
+            </a:r>
+            <a:endParaRPr b="0" lang="en-US" sz="1800" spc="-1" strike="noStrike">
+              <a:solidFill>
+                <a:srgbClr val="000000"/>
+              </a:solidFill>
+              <a:uFill>
+                <a:solidFill>
+                  <a:srgbClr val="ffffff"/>
+                </a:solidFill>
+              </a:uFill>
+              <a:latin typeface="Arial"/>
+            </a:endParaRPr>
+          </a:p>
+          <a:p>
+            <a:endParaRPr b="0" lang="en-US" sz="1800" spc="-1" strike="noStrike">
+              <a:solidFill>
+                <a:srgbClr val="000000"/>
+              </a:solidFill>
+              <a:uFill>
+                <a:solidFill>
+                  <a:srgbClr val="ffffff"/>
+                </a:solidFill>
+              </a:uFill>
+              <a:latin typeface="Arial"/>
+            </a:endParaRPr>
+          </a:p>
+          <a:p>
+            <a:r>
+              <a:rPr b="0" lang="en-US" sz="1800" spc="-1" strike="noStrike">
+                <a:solidFill>
+                  <a:srgbClr val="000000"/>
+                </a:solidFill>
+                <a:uFill>
+                  <a:solidFill>
+                    <a:srgbClr val="ffffff"/>
+                  </a:solidFill>
+                </a:uFill>
+                <a:latin typeface="Arial"/>
+              </a:rPr>
+              <a:t>苦肉の策 </a:t>
+            </a:r>
+            <a:endParaRPr b="0" lang="en-US" sz="1800" spc="-1" strike="noStrike">
+              <a:solidFill>
+                <a:srgbClr val="000000"/>
+              </a:solidFill>
+              <a:uFill>
+                <a:solidFill>
+                  <a:srgbClr val="ffffff"/>
+                </a:solidFill>
+              </a:uFill>
+              <a:latin typeface="Arial"/>
+            </a:endParaRPr>
+          </a:p>
+          <a:p>
+            <a:r>
+              <a:rPr b="0" lang="en-US" sz="1800" spc="-1" strike="noStrike">
+                <a:solidFill>
+                  <a:srgbClr val="000000"/>
+                </a:solidFill>
+                <a:uFill>
+                  <a:solidFill>
+                    <a:srgbClr val="ffffff"/>
+                  </a:solidFill>
+                </a:uFill>
+                <a:latin typeface="Arial"/>
+              </a:rPr>
+              <a:t>ブラウザで開くからの</a:t>
+            </a:r>
+            <a:r>
+              <a:rPr b="0" lang="en-US" sz="1800" spc="-1" strike="noStrike">
+                <a:solidFill>
+                  <a:srgbClr val="000000"/>
+                </a:solidFill>
+                <a:uFill>
+                  <a:solidFill>
+                    <a:srgbClr val="ffffff"/>
+                  </a:solidFill>
+                </a:uFill>
+                <a:latin typeface="Arial"/>
+              </a:rPr>
+              <a:t>OnApplicationPause</a:t>
+            </a:r>
+            <a:r>
+              <a:rPr b="0" lang="en-US" sz="1800" spc="-1" strike="noStrike">
+                <a:solidFill>
+                  <a:srgbClr val="000000"/>
+                </a:solidFill>
+                <a:uFill>
+                  <a:solidFill>
+                    <a:srgbClr val="ffffff"/>
+                  </a:solidFill>
+                </a:uFill>
+                <a:latin typeface="Arial"/>
+              </a:rPr>
+              <a:t>で検知の流れで実装</a:t>
+            </a:r>
+            <a:endParaRPr b="0" lang="en-US" sz="1800" spc="-1" strike="noStrike">
+              <a:solidFill>
+                <a:srgbClr val="000000"/>
+              </a:solidFill>
+              <a:uFill>
+                <a:solidFill>
+                  <a:srgbClr val="ffffff"/>
+                </a:solidFill>
+              </a:uFill>
+              <a:latin typeface="Arial"/>
+            </a:endParaRPr>
+          </a:p>
+          <a:p>
+            <a:endParaRPr b="0" lang="en-US" sz="1800" spc="-1" strike="noStrike">
+              <a:solidFill>
+                <a:srgbClr val="000000"/>
+              </a:solidFill>
+              <a:uFill>
+                <a:solidFill>
+                  <a:srgbClr val="ffffff"/>
+                </a:solidFill>
+              </a:uFill>
+              <a:latin typeface="Arial"/>
+            </a:endParaRPr>
+          </a:p>
+          <a:p>
+            <a:endParaRPr b="0" lang="en-US" sz="1800" spc="-1" strike="noStrike">
+              <a:solidFill>
+                <a:srgbClr val="000000"/>
+              </a:solidFill>
+              <a:uFill>
+                <a:solidFill>
+                  <a:srgbClr val="ffffff"/>
+                </a:solidFill>
+              </a:uFill>
+              <a:latin typeface="Arial"/>
+            </a:endParaRPr>
+          </a:p>
+          <a:p>
+            <a:r>
+              <a:rPr b="0" lang="en-US" sz="1800" spc="-1" strike="noStrike">
+                <a:solidFill>
+                  <a:srgbClr val="000000"/>
+                </a:solidFill>
+                <a:uFill>
+                  <a:solidFill>
+                    <a:srgbClr val="ffffff"/>
+                  </a:solidFill>
+                </a:uFill>
+                <a:latin typeface="Arial"/>
+              </a:rPr>
+              <a:t>SNS</a:t>
+            </a:r>
+            <a:r>
+              <a:rPr b="0" lang="en-US" sz="1800" spc="-1" strike="noStrike">
+                <a:solidFill>
+                  <a:srgbClr val="000000"/>
+                </a:solidFill>
+                <a:uFill>
+                  <a:solidFill>
+                    <a:srgbClr val="ffffff"/>
+                  </a:solidFill>
+                </a:uFill>
+                <a:latin typeface="Arial"/>
+              </a:rPr>
+              <a:t>アカウントに認証してもらい個人データを取得、利用することができた</a:t>
+            </a:r>
+            <a:endParaRPr b="0" lang="en-US" sz="1800" spc="-1" strike="noStrike">
+              <a:solidFill>
+                <a:srgbClr val="000000"/>
+              </a:solidFill>
+              <a:uFill>
+                <a:solidFill>
+                  <a:srgbClr val="ffffff"/>
+                </a:solidFill>
+              </a:uFill>
+              <a:latin typeface="Arial"/>
+            </a:endParaRPr>
+          </a:p>
+        </p:txBody>
+      </p:sp>
+    </p:spTree>
+  </p:cSld>
+  <p:timing>
+    <p:tnLst>
+      <p:par>
+        <p:cTn id="33" dur="indefinite" restart="never" nodeType="tmRoot">
+          <p:childTnLst>
+            <p:seq>
+              <p:cTn id="34" nodeType="mainSeq"/>
+              <p:prevCondLst>
+                <p:cond delay="0" evt="onPrev">
+                  <p:tgtEl>
+                    <p:sldTgt/>
+                  </p:tgtEl>
+                </p:cond>
+              </p:prevCondLst>
+              <p:nextCondLst>
+                <p:cond delay="0" evt="onNext">
+                  <p:tgtEl>
+                    <p:sldTgt/>
+                  </p:tgtEl>
+                </p:cond>
+              </p:nextCondLst>
+            </p:seq>
+          </p:childTnLst>
+        </p:cTn>
+      </p:par>
+    </p:tnLst>
+  </p:timing>
+</p:sld>
+</file>
+
+<file path=ppt/slides/slide18.xml><?xml version="1.0" encoding="utf-8"?>
+<p:sld xmlns:a="http://schemas.openxmlformats.org/drawingml/2006/main" xmlns:p="http://schemas.openxmlformats.org/presentationml/2006/main" xmlns:r="http://schemas.openxmlformats.org/officeDocument/2006/relationships" xmlns:p14="http://schemas.microsoft.com/office/powerpoint/2010/main" xmlns:p15="http://schemas.microsoft.com/office/powerpoint/2012/main" xmlns:mc="http://schemas.openxmlformats.org/markup-compatibility/2006">
+  <p:cSld>
+    <p:spTree>
+      <p:nvGrpSpPr>
+        <p:cNvPr id="1" name=""/>
+        <p:cNvGrpSpPr/>
+        <p:nvPr/>
+      </p:nvGrpSpPr>
+      <p:grpSpPr>
+        <a:xfrm>
+          <a:off x="0" y="0"/>
+          <a:ext cx="0" cy="0"/>
+          <a:chOff x="0" y="0"/>
+          <a:chExt cx="0" cy="0"/>
+        </a:xfrm>
+      </p:grpSpPr>
+      <p:sp>
+        <p:nvSpPr>
+          <p:cNvPr id="99" name="CustomShape 1"/>
+          <p:cNvSpPr/>
+          <p:nvPr/>
+        </p:nvSpPr>
+        <p:spPr>
+          <a:xfrm>
+            <a:off x="390600" y="2914560"/>
+            <a:ext cx="9070560" cy="1261080"/>
+          </a:xfrm>
+          <a:prstGeom prst="rect">
+            <a:avLst/>
+          </a:prstGeom>
+          <a:noFill/>
+          <a:ln>
+            <a:noFill/>
+          </a:ln>
+        </p:spPr>
+        <p:style>
+          <a:lnRef idx="0"/>
+          <a:fillRef idx="0"/>
+          <a:effectRef idx="0"/>
+          <a:fontRef idx="minor"/>
+        </p:style>
+        <p:txBody>
+          <a:bodyPr lIns="0" rIns="0" tIns="0" bIns="0" anchor="ctr"/>
+          <a:p>
+            <a:pPr algn="ctr">
+              <a:lnSpc>
+                <a:spcPct val="100000"/>
+              </a:lnSpc>
+            </a:pPr>
+            <a:r>
+              <a:rPr b="0" lang="en-US" sz="3600" spc="-1" strike="noStrike">
+                <a:solidFill>
+                  <a:srgbClr val="000000"/>
+                </a:solidFill>
+                <a:uFill>
+                  <a:solidFill>
+                    <a:srgbClr val="ffffff"/>
+                  </a:solidFill>
+                </a:uFill>
+                <a:latin typeface="Arial"/>
+                <a:ea typeface="DejaVu Sans"/>
+              </a:rPr>
+              <a:t>デモ</a:t>
+            </a:r>
+            <a:endParaRPr b="0" lang="en-US" sz="1800" spc="-1" strike="noStrike">
+              <a:solidFill>
+                <a:srgbClr val="000000"/>
+              </a:solidFill>
+              <a:uFill>
+                <a:solidFill>
+                  <a:srgbClr val="ffffff"/>
+                </a:solidFill>
+              </a:uFill>
+              <a:latin typeface="Arial"/>
+            </a:endParaRPr>
+          </a:p>
+        </p:txBody>
+      </p:sp>
+    </p:spTree>
+  </p:cSld>
+  <p:timing>
+    <p:tnLst>
+      <p:par>
+        <p:cTn id="35" dur="indefinite" restart="never" nodeType="tmRoot">
+          <p:childTnLst>
+            <p:seq>
+              <p:cTn id="36" nodeType="mainSeq"/>
+              <p:prevCondLst>
+                <p:cond delay="0" evt="onPrev">
+                  <p:tgtEl>
+                    <p:sldTgt/>
+                  </p:tgtEl>
+                </p:cond>
+              </p:prevCondLst>
+              <p:nextCondLst>
+                <p:cond delay="0" evt="onNext">
+                  <p:tgtEl>
+                    <p:sldTgt/>
+                  </p:tgtEl>
+                </p:cond>
+              </p:nextCondLst>
+            </p:seq>
+          </p:childTnLst>
+        </p:cTn>
+      </p:par>
+    </p:tnLst>
+  </p:timing>
+</p:sld>
+</file>
+
+<file path=ppt/slides/slide19.xml><?xml version="1.0" encoding="utf-8"?>
+<p:sld xmlns:a="http://schemas.openxmlformats.org/drawingml/2006/main" xmlns:p="http://schemas.openxmlformats.org/presentationml/2006/main" xmlns:r="http://schemas.openxmlformats.org/officeDocument/2006/relationships" xmlns:p14="http://schemas.microsoft.com/office/powerpoint/2010/main" xmlns:p15="http://schemas.microsoft.com/office/powerpoint/2012/main" xmlns:mc="http://schemas.openxmlformats.org/markup-compatibility/2006">
+  <p:cSld>
+    <p:spTree>
+      <p:nvGrpSpPr>
+        <p:cNvPr id="1" name=""/>
+        <p:cNvGrpSpPr/>
+        <p:nvPr/>
+      </p:nvGrpSpPr>
+      <p:grpSpPr>
+        <a:xfrm>
+          <a:off x="0" y="0"/>
+          <a:ext cx="0" cy="0"/>
+          <a:chOff x="0" y="0"/>
+          <a:chExt cx="0" cy="0"/>
+        </a:xfrm>
+      </p:grpSpPr>
+      <p:sp>
+        <p:nvSpPr>
+          <p:cNvPr id="100" name="TextShape 1"/>
+          <p:cNvSpPr txBox="1"/>
+          <p:nvPr/>
+        </p:nvSpPr>
+        <p:spPr>
+          <a:xfrm>
+            <a:off x="2160000" y="1008000"/>
+            <a:ext cx="5544000" cy="2028600"/>
+          </a:xfrm>
+          <a:prstGeom prst="rect">
+            <a:avLst/>
+          </a:prstGeom>
+          <a:noFill/>
+          <a:ln>
+            <a:noFill/>
+          </a:ln>
+        </p:spPr>
+        <p:txBody>
+          <a:bodyPr lIns="90000" rIns="90000" tIns="45000" bIns="45000"/>
+          <a:p>
+            <a:r>
+              <a:rPr b="0" lang="en-US" sz="1800" spc="-1" strike="noStrike">
+                <a:solidFill>
+                  <a:srgbClr val="000000"/>
+                </a:solidFill>
+                <a:uFill>
+                  <a:solidFill>
+                    <a:srgbClr val="ffffff"/>
+                  </a:solidFill>
+                </a:uFill>
+                <a:latin typeface="Arial"/>
+              </a:rPr>
+              <a:t>ニフティにアカウントサービスや</a:t>
+            </a:r>
+            <a:r>
+              <a:rPr b="0" lang="en-US" sz="1800" spc="-1" strike="noStrike">
+                <a:solidFill>
+                  <a:srgbClr val="000000"/>
+                </a:solidFill>
+                <a:uFill>
+                  <a:solidFill>
+                    <a:srgbClr val="ffffff"/>
+                  </a:solidFill>
+                </a:uFill>
+                <a:latin typeface="Arial"/>
+              </a:rPr>
+              <a:t>SDK</a:t>
+            </a:r>
+            <a:r>
+              <a:rPr b="0" lang="en-US" sz="1800" spc="-1" strike="noStrike">
+                <a:solidFill>
+                  <a:srgbClr val="000000"/>
+                </a:solidFill>
+                <a:uFill>
+                  <a:solidFill>
+                    <a:srgbClr val="ffffff"/>
+                  </a:solidFill>
+                </a:uFill>
+                <a:latin typeface="Arial"/>
+              </a:rPr>
+              <a:t>があるなら</a:t>
+            </a:r>
+            <a:r>
+              <a:rPr b="0" lang="en-US" sz="1800" spc="-1" strike="noStrike">
+                <a:solidFill>
+                  <a:srgbClr val="000000"/>
+                </a:solidFill>
+                <a:uFill>
+                  <a:solidFill>
+                    <a:srgbClr val="ffffff"/>
+                  </a:solidFill>
+                </a:uFill>
+                <a:latin typeface="Arial"/>
+              </a:rPr>
+              <a:t>AWS</a:t>
+            </a:r>
+            <a:r>
+              <a:rPr b="0" lang="en-US" sz="1800" spc="-1" strike="noStrike">
+                <a:solidFill>
+                  <a:srgbClr val="000000"/>
+                </a:solidFill>
+                <a:uFill>
+                  <a:solidFill>
+                    <a:srgbClr val="ffffff"/>
+                  </a:solidFill>
+                </a:uFill>
+                <a:latin typeface="Arial"/>
+              </a:rPr>
+              <a:t>にもあるのでは？</a:t>
+            </a:r>
+            <a:endParaRPr b="0" lang="en-US" sz="1800" spc="-1" strike="noStrike">
+              <a:solidFill>
+                <a:srgbClr val="000000"/>
+              </a:solidFill>
+              <a:uFill>
+                <a:solidFill>
+                  <a:srgbClr val="ffffff"/>
+                </a:solidFill>
+              </a:uFill>
+              <a:latin typeface="Arial"/>
+            </a:endParaRPr>
+          </a:p>
+          <a:p>
+            <a:r>
+              <a:rPr b="0" lang="en-US" sz="1800" spc="-1" strike="noStrike">
+                <a:solidFill>
+                  <a:srgbClr val="000000"/>
+                </a:solidFill>
+                <a:uFill>
+                  <a:solidFill>
+                    <a:srgbClr val="ffffff"/>
+                  </a:solidFill>
+                </a:uFill>
+                <a:latin typeface="Arial"/>
+              </a:rPr>
+              <a:t>Amazon Cognito</a:t>
+            </a:r>
+            <a:r>
+              <a:rPr b="0" lang="en-US" sz="1800" spc="-1" strike="noStrike">
+                <a:solidFill>
+                  <a:srgbClr val="000000"/>
+                </a:solidFill>
+                <a:uFill>
+                  <a:solidFill>
+                    <a:srgbClr val="ffffff"/>
+                  </a:solidFill>
+                </a:uFill>
+                <a:latin typeface="Arial"/>
+              </a:rPr>
+              <a:t>　と </a:t>
+            </a:r>
+            <a:r>
+              <a:rPr b="0" lang="en-US" sz="1800" spc="-1" strike="noStrike">
+                <a:solidFill>
+                  <a:srgbClr val="000000"/>
+                </a:solidFill>
+                <a:uFill>
+                  <a:solidFill>
+                    <a:srgbClr val="ffffff"/>
+                  </a:solidFill>
+                </a:uFill>
+                <a:latin typeface="Arial"/>
+              </a:rPr>
+              <a:t>AWS MobileSDK</a:t>
+            </a:r>
+            <a:endParaRPr b="0" lang="en-US" sz="1800" spc="-1" strike="noStrike">
+              <a:solidFill>
+                <a:srgbClr val="000000"/>
+              </a:solidFill>
+              <a:uFill>
+                <a:solidFill>
+                  <a:srgbClr val="ffffff"/>
+                </a:solidFill>
+              </a:uFill>
+              <a:latin typeface="Arial"/>
+            </a:endParaRPr>
+          </a:p>
+          <a:p>
+            <a:r>
+              <a:rPr b="0" lang="en-US" sz="1800" spc="-1" strike="noStrike">
+                <a:solidFill>
+                  <a:srgbClr val="000000"/>
+                </a:solidFill>
+                <a:uFill>
+                  <a:solidFill>
+                    <a:srgbClr val="ffffff"/>
+                  </a:solidFill>
+                </a:uFill>
+                <a:latin typeface="Arial"/>
+              </a:rPr>
+              <a:t>モバイルであれば容易く実装できた？</a:t>
+            </a:r>
+            <a:endParaRPr b="0" lang="en-US" sz="1800" spc="-1" strike="noStrike">
+              <a:solidFill>
+                <a:srgbClr val="000000"/>
+              </a:solidFill>
+              <a:uFill>
+                <a:solidFill>
+                  <a:srgbClr val="ffffff"/>
+                </a:solidFill>
+              </a:uFill>
+              <a:latin typeface="Arial"/>
+            </a:endParaRPr>
+          </a:p>
+          <a:p>
+            <a:r>
+              <a:rPr b="0" lang="en-US" sz="1800" spc="-1" strike="noStrike">
+                <a:solidFill>
+                  <a:srgbClr val="000000"/>
+                </a:solidFill>
+                <a:uFill>
+                  <a:solidFill>
+                    <a:srgbClr val="ffffff"/>
+                  </a:solidFill>
+                </a:uFill>
+                <a:latin typeface="Arial"/>
+              </a:rPr>
+              <a:t>FireBase</a:t>
+            </a:r>
+            <a:r>
+              <a:rPr b="0" lang="en-US" sz="1800" spc="-1" strike="noStrike">
+                <a:solidFill>
+                  <a:srgbClr val="000000"/>
+                </a:solidFill>
+                <a:uFill>
+                  <a:solidFill>
+                    <a:srgbClr val="ffffff"/>
+                  </a:solidFill>
+                </a:uFill>
+                <a:latin typeface="Arial"/>
+              </a:rPr>
+              <a:t>という存在についても</a:t>
+            </a:r>
+            <a:endParaRPr b="0" lang="en-US" sz="1800" spc="-1" strike="noStrike">
+              <a:solidFill>
+                <a:srgbClr val="000000"/>
+              </a:solidFill>
+              <a:uFill>
+                <a:solidFill>
+                  <a:srgbClr val="ffffff"/>
+                </a:solidFill>
+              </a:uFill>
+              <a:latin typeface="Arial"/>
+            </a:endParaRPr>
+          </a:p>
+          <a:p>
+            <a:endParaRPr b="0" lang="en-US" sz="1800" spc="-1" strike="noStrike">
+              <a:solidFill>
+                <a:srgbClr val="000000"/>
+              </a:solidFill>
+              <a:uFill>
+                <a:solidFill>
+                  <a:srgbClr val="ffffff"/>
+                </a:solidFill>
+              </a:uFill>
+              <a:latin typeface="Arial"/>
+            </a:endParaRPr>
+          </a:p>
+          <a:p>
+            <a:r>
+              <a:rPr b="0" lang="en-US" sz="1800" spc="-1" strike="noStrike">
+                <a:solidFill>
+                  <a:srgbClr val="000000"/>
+                </a:solidFill>
+                <a:uFill>
+                  <a:solidFill>
+                    <a:srgbClr val="ffffff"/>
+                  </a:solidFill>
+                </a:uFill>
+                <a:latin typeface="Arial"/>
+              </a:rPr>
+              <a:t>今回は</a:t>
+            </a:r>
+            <a:r>
+              <a:rPr b="0" lang="en-US" sz="1800" spc="-1" strike="noStrike">
+                <a:solidFill>
+                  <a:srgbClr val="000000"/>
+                </a:solidFill>
+                <a:uFill>
+                  <a:solidFill>
+                    <a:srgbClr val="ffffff"/>
+                  </a:solidFill>
+                </a:uFill>
+                <a:latin typeface="Arial"/>
+              </a:rPr>
+              <a:t>PC</a:t>
+            </a:r>
+            <a:r>
+              <a:rPr b="0" lang="en-US" sz="1800" spc="-1" strike="noStrike">
+                <a:solidFill>
+                  <a:srgbClr val="000000"/>
+                </a:solidFill>
+                <a:uFill>
+                  <a:solidFill>
+                    <a:srgbClr val="ffffff"/>
+                  </a:solidFill>
+                </a:uFill>
+                <a:latin typeface="Arial"/>
+              </a:rPr>
+              <a:t>ゲーム・利用コスト・履修期間・他作業への影響を考慮して独自実装。</a:t>
+            </a:r>
+            <a:endParaRPr b="0" lang="en-US" sz="1800" spc="-1" strike="noStrike">
+              <a:solidFill>
+                <a:srgbClr val="000000"/>
+              </a:solidFill>
+              <a:uFill>
+                <a:solidFill>
+                  <a:srgbClr val="ffffff"/>
+                </a:solidFill>
+              </a:uFill>
+              <a:latin typeface="Arial"/>
+            </a:endParaRPr>
+          </a:p>
+        </p:txBody>
+      </p:sp>
+    </p:spTree>
+  </p:cSld>
+  <p:timing>
+    <p:tnLst>
+      <p:par>
+        <p:cTn id="37" dur="indefinite" restart="never" nodeType="tmRoot">
+          <p:childTnLst>
+            <p:seq>
+              <p:cTn id="38" nodeType="mainSeq"/>
               <p:prevCondLst>
                 <p:cond delay="0" evt="onPrev">
                   <p:tgtEl>
@@ -4662,7 +6025,7 @@
         <p:spPr>
           <a:xfrm>
             <a:off x="504000" y="301320"/>
-            <a:ext cx="9070920" cy="1261440"/>
+            <a:ext cx="9070560" cy="1261080"/>
           </a:xfrm>
           <a:prstGeom prst="rect">
             <a:avLst/>
@@ -4723,8 +6086,8 @@
         </p:nvSpPr>
         <p:spPr>
           <a:xfrm>
-            <a:off x="1224000" y="1800000"/>
-            <a:ext cx="7559280" cy="4823280"/>
+            <a:off x="1224000" y="2089080"/>
+            <a:ext cx="7558920" cy="4822920"/>
           </a:xfrm>
           <a:prstGeom prst="rect">
             <a:avLst/>
@@ -4743,7 +6106,7 @@
         <p:txBody>
           <a:bodyPr lIns="0" rIns="0" tIns="0" bIns="0"/>
           <a:p>
-            <a:pPr marL="432000" indent="-323280">
+            <a:pPr marL="432000" indent="-322920">
               <a:lnSpc>
                 <a:spcPct val="150000"/>
               </a:lnSpc>
@@ -4782,7 +6145,7 @@
             </a:endParaRPr>
           </a:p>
           <a:p>
-            <a:pPr marL="432000" indent="-323280">
+            <a:pPr marL="432000" indent="-322920">
               <a:lnSpc>
                 <a:spcPct val="150000"/>
               </a:lnSpc>
@@ -4821,7 +6184,7 @@
             </a:endParaRPr>
           </a:p>
           <a:p>
-            <a:pPr marL="432000" indent="-323280">
+            <a:pPr marL="432000" indent="-322920">
               <a:lnSpc>
                 <a:spcPct val="150000"/>
               </a:lnSpc>
@@ -4860,7 +6223,7 @@
             </a:endParaRPr>
           </a:p>
           <a:p>
-            <a:pPr marL="432000" indent="-323280">
+            <a:pPr marL="432000" indent="-322920">
               <a:lnSpc>
                 <a:spcPct val="150000"/>
               </a:lnSpc>
@@ -4927,6 +6290,1655 @@
           <p:childTnLst>
             <p:seq>
               <p:cTn id="4" nodeType="mainSeq"/>
+              <p:prevCondLst>
+                <p:cond delay="0" evt="onPrev">
+                  <p:tgtEl>
+                    <p:sldTgt/>
+                  </p:tgtEl>
+                </p:cond>
+              </p:prevCondLst>
+              <p:nextCondLst>
+                <p:cond delay="0" evt="onNext">
+                  <p:tgtEl>
+                    <p:sldTgt/>
+                  </p:tgtEl>
+                </p:cond>
+              </p:nextCondLst>
+            </p:seq>
+          </p:childTnLst>
+        </p:cTn>
+      </p:par>
+    </p:tnLst>
+  </p:timing>
+</p:sld>
+</file>
+
+<file path=ppt/slides/slide20.xml><?xml version="1.0" encoding="utf-8"?>
+<p:sld xmlns:a="http://schemas.openxmlformats.org/drawingml/2006/main" xmlns:p="http://schemas.openxmlformats.org/presentationml/2006/main" xmlns:r="http://schemas.openxmlformats.org/officeDocument/2006/relationships" xmlns:p14="http://schemas.microsoft.com/office/powerpoint/2010/main" xmlns:p15="http://schemas.microsoft.com/office/powerpoint/2012/main" xmlns:mc="http://schemas.openxmlformats.org/markup-compatibility/2006">
+  <p:cSld>
+    <p:spTree>
+      <p:nvGrpSpPr>
+        <p:cNvPr id="1" name=""/>
+        <p:cNvGrpSpPr/>
+        <p:nvPr/>
+      </p:nvGrpSpPr>
+      <p:grpSpPr>
+        <a:xfrm>
+          <a:off x="0" y="0"/>
+          <a:ext cx="0" cy="0"/>
+          <a:chOff x="0" y="0"/>
+          <a:chExt cx="0" cy="0"/>
+        </a:xfrm>
+      </p:grpSpPr>
+      <p:sp>
+        <p:nvSpPr>
+          <p:cNvPr id="101" name="CustomShape 1"/>
+          <p:cNvSpPr/>
+          <p:nvPr/>
+        </p:nvSpPr>
+        <p:spPr>
+          <a:xfrm>
+            <a:off x="390600" y="2914560"/>
+            <a:ext cx="9070560" cy="1261080"/>
+          </a:xfrm>
+          <a:prstGeom prst="rect">
+            <a:avLst/>
+          </a:prstGeom>
+          <a:noFill/>
+          <a:ln>
+            <a:noFill/>
+          </a:ln>
+        </p:spPr>
+        <p:style>
+          <a:lnRef idx="0"/>
+          <a:fillRef idx="0"/>
+          <a:effectRef idx="0"/>
+          <a:fontRef idx="minor"/>
+        </p:style>
+        <p:txBody>
+          <a:bodyPr lIns="0" rIns="0" tIns="0" bIns="0" anchor="ctr"/>
+          <a:p>
+            <a:pPr algn="ctr">
+              <a:lnSpc>
+                <a:spcPct val="100000"/>
+              </a:lnSpc>
+            </a:pPr>
+            <a:r>
+              <a:rPr b="0" lang="en-US" sz="4400" spc="-1" strike="noStrike">
+                <a:solidFill>
+                  <a:srgbClr val="000000"/>
+                </a:solidFill>
+                <a:uFill>
+                  <a:solidFill>
+                    <a:srgbClr val="ffffff"/>
+                  </a:solidFill>
+                </a:uFill>
+                <a:latin typeface="Arial"/>
+                <a:ea typeface="DejaVu Sans"/>
+              </a:rPr>
+              <a:t>３．スコア関係の機能実装</a:t>
+            </a:r>
+            <a:endParaRPr b="0" lang="en-US" sz="1800" spc="-1" strike="noStrike">
+              <a:solidFill>
+                <a:srgbClr val="000000"/>
+              </a:solidFill>
+              <a:uFill>
+                <a:solidFill>
+                  <a:srgbClr val="ffffff"/>
+                </a:solidFill>
+              </a:uFill>
+              <a:latin typeface="Arial"/>
+            </a:endParaRPr>
+          </a:p>
+        </p:txBody>
+      </p:sp>
+      <p:sp>
+        <p:nvSpPr>
+          <p:cNvPr id="102" name="TextShape 2"/>
+          <p:cNvSpPr txBox="1"/>
+          <p:nvPr/>
+        </p:nvSpPr>
+        <p:spPr>
+          <a:xfrm>
+            <a:off x="4104000" y="2448360"/>
+            <a:ext cx="2160000" cy="597960"/>
+          </a:xfrm>
+          <a:prstGeom prst="rect">
+            <a:avLst/>
+          </a:prstGeom>
+          <a:noFill/>
+          <a:ln>
+            <a:noFill/>
+          </a:ln>
+        </p:spPr>
+        <p:txBody>
+          <a:bodyPr lIns="90000" rIns="90000" tIns="45000" bIns="45000"/>
+          <a:p>
+            <a:pPr algn="ctr"/>
+            <a:r>
+              <a:rPr b="1" lang="en-US" sz="4000" spc="-1" strike="noStrike">
+                <a:solidFill>
+                  <a:srgbClr val="000000"/>
+                </a:solidFill>
+                <a:uFill>
+                  <a:solidFill>
+                    <a:srgbClr val="ffffff"/>
+                  </a:solidFill>
+                </a:uFill>
+                <a:latin typeface="Arial"/>
+              </a:rPr>
+              <a:t>機能２</a:t>
+            </a:r>
+            <a:endParaRPr b="1" lang="en-US" sz="4000" spc="-1" strike="noStrike">
+              <a:solidFill>
+                <a:srgbClr val="000000"/>
+              </a:solidFill>
+              <a:uFill>
+                <a:solidFill>
+                  <a:srgbClr val="ffffff"/>
+                </a:solidFill>
+              </a:uFill>
+              <a:latin typeface="Arial"/>
+            </a:endParaRPr>
+          </a:p>
+        </p:txBody>
+      </p:sp>
+    </p:spTree>
+  </p:cSld>
+  <p:timing>
+    <p:tnLst>
+      <p:par>
+        <p:cTn id="39" dur="indefinite" restart="never" nodeType="tmRoot">
+          <p:childTnLst>
+            <p:seq>
+              <p:cTn id="40" nodeType="mainSeq"/>
+              <p:prevCondLst>
+                <p:cond delay="0" evt="onPrev">
+                  <p:tgtEl>
+                    <p:sldTgt/>
+                  </p:tgtEl>
+                </p:cond>
+              </p:prevCondLst>
+              <p:nextCondLst>
+                <p:cond delay="0" evt="onNext">
+                  <p:tgtEl>
+                    <p:sldTgt/>
+                  </p:tgtEl>
+                </p:cond>
+              </p:nextCondLst>
+            </p:seq>
+          </p:childTnLst>
+        </p:cTn>
+      </p:par>
+    </p:tnLst>
+  </p:timing>
+</p:sld>
+</file>
+
+<file path=ppt/slides/slide21.xml><?xml version="1.0" encoding="utf-8"?>
+<p:sld xmlns:a="http://schemas.openxmlformats.org/drawingml/2006/main" xmlns:p="http://schemas.openxmlformats.org/presentationml/2006/main" xmlns:r="http://schemas.openxmlformats.org/officeDocument/2006/relationships" xmlns:p14="http://schemas.microsoft.com/office/powerpoint/2010/main" xmlns:p15="http://schemas.microsoft.com/office/powerpoint/2012/main" xmlns:mc="http://schemas.openxmlformats.org/markup-compatibility/2006">
+  <p:cSld>
+    <p:spTree>
+      <p:nvGrpSpPr>
+        <p:cNvPr id="1" name=""/>
+        <p:cNvGrpSpPr/>
+        <p:nvPr/>
+      </p:nvGrpSpPr>
+      <p:grpSpPr>
+        <a:xfrm>
+          <a:off x="0" y="0"/>
+          <a:ext cx="0" cy="0"/>
+          <a:chOff x="0" y="0"/>
+          <a:chExt cx="0" cy="0"/>
+        </a:xfrm>
+      </p:grpSpPr>
+      <p:sp>
+        <p:nvSpPr>
+          <p:cNvPr id="103" name="CustomShape 1"/>
+          <p:cNvSpPr/>
+          <p:nvPr/>
+        </p:nvSpPr>
+        <p:spPr>
+          <a:xfrm>
+            <a:off x="390600" y="2914560"/>
+            <a:ext cx="9070560" cy="1261080"/>
+          </a:xfrm>
+          <a:prstGeom prst="rect">
+            <a:avLst/>
+          </a:prstGeom>
+          <a:noFill/>
+          <a:ln>
+            <a:noFill/>
+          </a:ln>
+        </p:spPr>
+        <p:style>
+          <a:lnRef idx="0"/>
+          <a:fillRef idx="0"/>
+          <a:effectRef idx="0"/>
+          <a:fontRef idx="minor"/>
+        </p:style>
+        <p:txBody>
+          <a:bodyPr lIns="0" rIns="0" tIns="0" bIns="0" anchor="ctr"/>
+          <a:p>
+            <a:pPr algn="ctr">
+              <a:lnSpc>
+                <a:spcPct val="100000"/>
+              </a:lnSpc>
+            </a:pPr>
+            <a:r>
+              <a:rPr b="0" lang="en-US" sz="3600" spc="-1" strike="noStrike">
+                <a:solidFill>
+                  <a:srgbClr val="000000"/>
+                </a:solidFill>
+                <a:uFill>
+                  <a:solidFill>
+                    <a:srgbClr val="ffffff"/>
+                  </a:solidFill>
+                </a:uFill>
+                <a:latin typeface="Arial"/>
+                <a:ea typeface="DejaVu Sans"/>
+              </a:rPr>
+              <a:t>スコアの登録</a:t>
+            </a:r>
+            <a:endParaRPr b="0" lang="en-US" sz="1800" spc="-1" strike="noStrike">
+              <a:solidFill>
+                <a:srgbClr val="000000"/>
+              </a:solidFill>
+              <a:uFill>
+                <a:solidFill>
+                  <a:srgbClr val="ffffff"/>
+                </a:solidFill>
+              </a:uFill>
+              <a:latin typeface="Arial"/>
+            </a:endParaRPr>
+          </a:p>
+        </p:txBody>
+      </p:sp>
+    </p:spTree>
+  </p:cSld>
+  <p:timing>
+    <p:tnLst>
+      <p:par>
+        <p:cTn id="41" dur="indefinite" restart="never" nodeType="tmRoot">
+          <p:childTnLst>
+            <p:seq>
+              <p:cTn id="42" nodeType="mainSeq"/>
+              <p:prevCondLst>
+                <p:cond delay="0" evt="onPrev">
+                  <p:tgtEl>
+                    <p:sldTgt/>
+                  </p:tgtEl>
+                </p:cond>
+              </p:prevCondLst>
+              <p:nextCondLst>
+                <p:cond delay="0" evt="onNext">
+                  <p:tgtEl>
+                    <p:sldTgt/>
+                  </p:tgtEl>
+                </p:cond>
+              </p:nextCondLst>
+            </p:seq>
+          </p:childTnLst>
+        </p:cTn>
+      </p:par>
+    </p:tnLst>
+  </p:timing>
+</p:sld>
+</file>
+
+<file path=ppt/slides/slide22.xml><?xml version="1.0" encoding="utf-8"?>
+<p:sld xmlns:a="http://schemas.openxmlformats.org/drawingml/2006/main" xmlns:p="http://schemas.openxmlformats.org/presentationml/2006/main" xmlns:r="http://schemas.openxmlformats.org/officeDocument/2006/relationships" xmlns:p14="http://schemas.microsoft.com/office/powerpoint/2010/main" xmlns:p15="http://schemas.microsoft.com/office/powerpoint/2012/main" xmlns:mc="http://schemas.openxmlformats.org/markup-compatibility/2006">
+  <p:cSld>
+    <p:spTree>
+      <p:nvGrpSpPr>
+        <p:cNvPr id="1" name=""/>
+        <p:cNvGrpSpPr/>
+        <p:nvPr/>
+      </p:nvGrpSpPr>
+      <p:grpSpPr>
+        <a:xfrm>
+          <a:off x="0" y="0"/>
+          <a:ext cx="0" cy="0"/>
+          <a:chOff x="0" y="0"/>
+          <a:chExt cx="0" cy="0"/>
+        </a:xfrm>
+      </p:grpSpPr>
+      <p:sp>
+        <p:nvSpPr>
+          <p:cNvPr id="104" name="TextShape 1"/>
+          <p:cNvSpPr txBox="1"/>
+          <p:nvPr/>
+        </p:nvSpPr>
+        <p:spPr>
+          <a:xfrm>
+            <a:off x="1368000" y="1512000"/>
+            <a:ext cx="7128000" cy="2448000"/>
+          </a:xfrm>
+          <a:prstGeom prst="rect">
+            <a:avLst/>
+          </a:prstGeom>
+          <a:noFill/>
+          <a:ln>
+            <a:noFill/>
+          </a:ln>
+        </p:spPr>
+        <p:txBody>
+          <a:bodyPr lIns="90000" rIns="90000" tIns="45000" bIns="45000"/>
+          <a:p>
+            <a:r>
+              <a:rPr b="0" lang="en-US" sz="1800" spc="-1" strike="noStrike">
+                <a:solidFill>
+                  <a:srgbClr val="000000"/>
+                </a:solidFill>
+                <a:uFill>
+                  <a:solidFill>
+                    <a:srgbClr val="ffffff"/>
+                  </a:solidFill>
+                </a:uFill>
+                <a:latin typeface="Arial"/>
+              </a:rPr>
+              <a:t>アーケードなんかにある名前を入力する必要はない</a:t>
+            </a:r>
+            <a:endParaRPr b="0" lang="en-US" sz="1800" spc="-1" strike="noStrike">
+              <a:solidFill>
+                <a:srgbClr val="000000"/>
+              </a:solidFill>
+              <a:uFill>
+                <a:solidFill>
+                  <a:srgbClr val="ffffff"/>
+                </a:solidFill>
+              </a:uFill>
+              <a:latin typeface="Arial"/>
+            </a:endParaRPr>
+          </a:p>
+          <a:p>
+            <a:r>
+              <a:rPr b="0" lang="en-US" sz="1800" spc="-1" strike="noStrike">
+                <a:solidFill>
+                  <a:srgbClr val="000000"/>
+                </a:solidFill>
+                <a:uFill>
+                  <a:solidFill>
+                    <a:srgbClr val="ffffff"/>
+                  </a:solidFill>
+                </a:uFill>
+                <a:latin typeface="Arial"/>
+              </a:rPr>
+              <a:t>ユーザーアカウントがあるので</a:t>
+            </a:r>
+            <a:r>
+              <a:rPr b="0" lang="en-US" sz="1800" spc="-1" strike="noStrike">
+                <a:solidFill>
+                  <a:srgbClr val="000000"/>
+                </a:solidFill>
+                <a:uFill>
+                  <a:solidFill>
+                    <a:srgbClr val="ffffff"/>
+                  </a:solidFill>
+                </a:uFill>
+                <a:latin typeface="Arial"/>
+              </a:rPr>
+              <a:t>ID</a:t>
+            </a:r>
+            <a:r>
+              <a:rPr b="0" lang="en-US" sz="1800" spc="-1" strike="noStrike">
+                <a:solidFill>
+                  <a:srgbClr val="000000"/>
+                </a:solidFill>
+                <a:uFill>
+                  <a:solidFill>
+                    <a:srgbClr val="ffffff"/>
+                  </a:solidFill>
+                </a:uFill>
+                <a:latin typeface="Arial"/>
+              </a:rPr>
+              <a:t>を一緒に送信すれば</a:t>
+            </a:r>
+            <a:r>
+              <a:rPr b="0" lang="en-US" sz="1800" spc="-1" strike="noStrike">
+                <a:solidFill>
+                  <a:srgbClr val="000000"/>
+                </a:solidFill>
+                <a:uFill>
+                  <a:solidFill>
+                    <a:srgbClr val="ffffff"/>
+                  </a:solidFill>
+                </a:uFill>
+                <a:latin typeface="Arial"/>
+              </a:rPr>
+              <a:t>OK</a:t>
+            </a:r>
+            <a:endParaRPr b="0" lang="en-US" sz="1800" spc="-1" strike="noStrike">
+              <a:solidFill>
+                <a:srgbClr val="000000"/>
+              </a:solidFill>
+              <a:uFill>
+                <a:solidFill>
+                  <a:srgbClr val="ffffff"/>
+                </a:solidFill>
+              </a:uFill>
+              <a:latin typeface="Arial"/>
+            </a:endParaRPr>
+          </a:p>
+        </p:txBody>
+      </p:sp>
+    </p:spTree>
+  </p:cSld>
+  <p:timing>
+    <p:tnLst>
+      <p:par>
+        <p:cTn id="43" dur="indefinite" restart="never" nodeType="tmRoot">
+          <p:childTnLst>
+            <p:seq>
+              <p:cTn id="44" nodeType="mainSeq"/>
+              <p:prevCondLst>
+                <p:cond delay="0" evt="onPrev">
+                  <p:tgtEl>
+                    <p:sldTgt/>
+                  </p:tgtEl>
+                </p:cond>
+              </p:prevCondLst>
+              <p:nextCondLst>
+                <p:cond delay="0" evt="onNext">
+                  <p:tgtEl>
+                    <p:sldTgt/>
+                  </p:tgtEl>
+                </p:cond>
+              </p:nextCondLst>
+            </p:seq>
+          </p:childTnLst>
+        </p:cTn>
+      </p:par>
+    </p:tnLst>
+  </p:timing>
+</p:sld>
+</file>
+
+<file path=ppt/slides/slide23.xml><?xml version="1.0" encoding="utf-8"?>
+<p:sld xmlns:a="http://schemas.openxmlformats.org/drawingml/2006/main" xmlns:p="http://schemas.openxmlformats.org/presentationml/2006/main" xmlns:r="http://schemas.openxmlformats.org/officeDocument/2006/relationships" xmlns:p14="http://schemas.microsoft.com/office/powerpoint/2010/main" xmlns:p15="http://schemas.microsoft.com/office/powerpoint/2012/main" xmlns:mc="http://schemas.openxmlformats.org/markup-compatibility/2006">
+  <p:cSld>
+    <p:spTree>
+      <p:nvGrpSpPr>
+        <p:cNvPr id="1" name=""/>
+        <p:cNvGrpSpPr/>
+        <p:nvPr/>
+      </p:nvGrpSpPr>
+      <p:grpSpPr>
+        <a:xfrm>
+          <a:off x="0" y="0"/>
+          <a:ext cx="0" cy="0"/>
+          <a:chOff x="0" y="0"/>
+          <a:chExt cx="0" cy="0"/>
+        </a:xfrm>
+      </p:grpSpPr>
+      <p:sp>
+        <p:nvSpPr>
+          <p:cNvPr id="105" name="CustomShape 1"/>
+          <p:cNvSpPr/>
+          <p:nvPr/>
+        </p:nvSpPr>
+        <p:spPr>
+          <a:xfrm>
+            <a:off x="390600" y="2914560"/>
+            <a:ext cx="9070560" cy="1261080"/>
+          </a:xfrm>
+          <a:prstGeom prst="rect">
+            <a:avLst/>
+          </a:prstGeom>
+          <a:noFill/>
+          <a:ln>
+            <a:noFill/>
+          </a:ln>
+        </p:spPr>
+        <p:style>
+          <a:lnRef idx="0"/>
+          <a:fillRef idx="0"/>
+          <a:effectRef idx="0"/>
+          <a:fontRef idx="minor"/>
+        </p:style>
+        <p:txBody>
+          <a:bodyPr lIns="0" rIns="0" tIns="0" bIns="0" anchor="ctr"/>
+          <a:p>
+            <a:pPr algn="ctr">
+              <a:lnSpc>
+                <a:spcPct val="100000"/>
+              </a:lnSpc>
+            </a:pPr>
+            <a:r>
+              <a:rPr b="0" lang="en-US" sz="3600" spc="-1" strike="noStrike">
+                <a:solidFill>
+                  <a:srgbClr val="000000"/>
+                </a:solidFill>
+                <a:uFill>
+                  <a:solidFill>
+                    <a:srgbClr val="ffffff"/>
+                  </a:solidFill>
+                </a:uFill>
+                <a:latin typeface="Arial"/>
+                <a:ea typeface="DejaVu Sans"/>
+              </a:rPr>
+              <a:t>スコアログ</a:t>
+            </a:r>
+            <a:endParaRPr b="0" lang="en-US" sz="1800" spc="-1" strike="noStrike">
+              <a:solidFill>
+                <a:srgbClr val="000000"/>
+              </a:solidFill>
+              <a:uFill>
+                <a:solidFill>
+                  <a:srgbClr val="ffffff"/>
+                </a:solidFill>
+              </a:uFill>
+              <a:latin typeface="Arial"/>
+            </a:endParaRPr>
+          </a:p>
+        </p:txBody>
+      </p:sp>
+    </p:spTree>
+  </p:cSld>
+  <p:timing>
+    <p:tnLst>
+      <p:par>
+        <p:cTn id="45" dur="indefinite" restart="never" nodeType="tmRoot">
+          <p:childTnLst>
+            <p:seq>
+              <p:cTn id="46" nodeType="mainSeq"/>
+              <p:prevCondLst>
+                <p:cond delay="0" evt="onPrev">
+                  <p:tgtEl>
+                    <p:sldTgt/>
+                  </p:tgtEl>
+                </p:cond>
+              </p:prevCondLst>
+              <p:nextCondLst>
+                <p:cond delay="0" evt="onNext">
+                  <p:tgtEl>
+                    <p:sldTgt/>
+                  </p:tgtEl>
+                </p:cond>
+              </p:nextCondLst>
+            </p:seq>
+          </p:childTnLst>
+        </p:cTn>
+      </p:par>
+    </p:tnLst>
+  </p:timing>
+</p:sld>
+</file>
+
+<file path=ppt/slides/slide24.xml><?xml version="1.0" encoding="utf-8"?>
+<p:sld xmlns:a="http://schemas.openxmlformats.org/drawingml/2006/main" xmlns:p="http://schemas.openxmlformats.org/presentationml/2006/main" xmlns:r="http://schemas.openxmlformats.org/officeDocument/2006/relationships" xmlns:p14="http://schemas.microsoft.com/office/powerpoint/2010/main" xmlns:p15="http://schemas.microsoft.com/office/powerpoint/2012/main" xmlns:mc="http://schemas.openxmlformats.org/markup-compatibility/2006">
+  <p:cSld>
+    <p:spTree>
+      <p:nvGrpSpPr>
+        <p:cNvPr id="1" name=""/>
+        <p:cNvGrpSpPr/>
+        <p:nvPr/>
+      </p:nvGrpSpPr>
+      <p:grpSpPr>
+        <a:xfrm>
+          <a:off x="0" y="0"/>
+          <a:ext cx="0" cy="0"/>
+          <a:chOff x="0" y="0"/>
+          <a:chExt cx="0" cy="0"/>
+        </a:xfrm>
+      </p:grpSpPr>
+      <p:sp>
+        <p:nvSpPr>
+          <p:cNvPr id="106" name="TextShape 1"/>
+          <p:cNvSpPr txBox="1"/>
+          <p:nvPr/>
+        </p:nvSpPr>
+        <p:spPr>
+          <a:xfrm>
+            <a:off x="2016000" y="1584000"/>
+            <a:ext cx="6552000" cy="1800000"/>
+          </a:xfrm>
+          <a:prstGeom prst="rect">
+            <a:avLst/>
+          </a:prstGeom>
+          <a:noFill/>
+          <a:ln>
+            <a:noFill/>
+          </a:ln>
+        </p:spPr>
+        <p:txBody>
+          <a:bodyPr lIns="90000" rIns="90000" tIns="45000" bIns="45000"/>
+          <a:p>
+            <a:r>
+              <a:rPr b="0" lang="en-US" sz="1800" spc="-1" strike="noStrike">
+                <a:solidFill>
+                  <a:srgbClr val="000000"/>
+                </a:solidFill>
+                <a:uFill>
+                  <a:solidFill>
+                    <a:srgbClr val="ffffff"/>
+                  </a:solidFill>
+                </a:uFill>
+                <a:latin typeface="Arial"/>
+              </a:rPr>
+              <a:t>ユーザーアカウントがあるので</a:t>
+            </a:r>
+            <a:r>
+              <a:rPr b="0" lang="en-US" sz="1800" spc="-1" strike="noStrike">
+                <a:solidFill>
+                  <a:srgbClr val="000000"/>
+                </a:solidFill>
+                <a:uFill>
+                  <a:solidFill>
+                    <a:srgbClr val="ffffff"/>
+                  </a:solidFill>
+                </a:uFill>
+                <a:latin typeface="Arial"/>
+              </a:rPr>
+              <a:t>ID</a:t>
+            </a:r>
+            <a:r>
+              <a:rPr b="0" lang="en-US" sz="1800" spc="-1" strike="noStrike">
+                <a:solidFill>
+                  <a:srgbClr val="000000"/>
+                </a:solidFill>
+                <a:uFill>
+                  <a:solidFill>
+                    <a:srgbClr val="ffffff"/>
+                  </a:solidFill>
+                </a:uFill>
+                <a:latin typeface="Arial"/>
+              </a:rPr>
+              <a:t>から取得していく。</a:t>
+            </a:r>
+            <a:endParaRPr b="0" lang="en-US" sz="1800" spc="-1" strike="noStrike">
+              <a:solidFill>
+                <a:srgbClr val="000000"/>
+              </a:solidFill>
+              <a:uFill>
+                <a:solidFill>
+                  <a:srgbClr val="ffffff"/>
+                </a:solidFill>
+              </a:uFill>
+              <a:latin typeface="Arial"/>
+            </a:endParaRPr>
+          </a:p>
+          <a:p>
+            <a:r>
+              <a:rPr b="0" lang="en-US" sz="1800" spc="-1" strike="noStrike">
+                <a:solidFill>
+                  <a:srgbClr val="000000"/>
+                </a:solidFill>
+                <a:uFill>
+                  <a:solidFill>
+                    <a:srgbClr val="ffffff"/>
+                  </a:solidFill>
+                </a:uFill>
+                <a:latin typeface="Arial"/>
+              </a:rPr>
+              <a:t>一覧表示するのみ</a:t>
+            </a:r>
+            <a:endParaRPr b="0" lang="en-US" sz="1800" spc="-1" strike="noStrike">
+              <a:solidFill>
+                <a:srgbClr val="000000"/>
+              </a:solidFill>
+              <a:uFill>
+                <a:solidFill>
+                  <a:srgbClr val="ffffff"/>
+                </a:solidFill>
+              </a:uFill>
+              <a:latin typeface="Arial"/>
+            </a:endParaRPr>
+          </a:p>
+        </p:txBody>
+      </p:sp>
+    </p:spTree>
+  </p:cSld>
+  <p:timing>
+    <p:tnLst>
+      <p:par>
+        <p:cTn id="47" dur="indefinite" restart="never" nodeType="tmRoot">
+          <p:childTnLst>
+            <p:seq>
+              <p:cTn id="48" nodeType="mainSeq"/>
+              <p:prevCondLst>
+                <p:cond delay="0" evt="onPrev">
+                  <p:tgtEl>
+                    <p:sldTgt/>
+                  </p:tgtEl>
+                </p:cond>
+              </p:prevCondLst>
+              <p:nextCondLst>
+                <p:cond delay="0" evt="onNext">
+                  <p:tgtEl>
+                    <p:sldTgt/>
+                  </p:tgtEl>
+                </p:cond>
+              </p:nextCondLst>
+            </p:seq>
+          </p:childTnLst>
+        </p:cTn>
+      </p:par>
+    </p:tnLst>
+  </p:timing>
+</p:sld>
+</file>
+
+<file path=ppt/slides/slide25.xml><?xml version="1.0" encoding="utf-8"?>
+<p:sld xmlns:a="http://schemas.openxmlformats.org/drawingml/2006/main" xmlns:p="http://schemas.openxmlformats.org/presentationml/2006/main" xmlns:r="http://schemas.openxmlformats.org/officeDocument/2006/relationships" xmlns:p14="http://schemas.microsoft.com/office/powerpoint/2010/main" xmlns:p15="http://schemas.microsoft.com/office/powerpoint/2012/main" xmlns:mc="http://schemas.openxmlformats.org/markup-compatibility/2006">
+  <p:cSld>
+    <p:spTree>
+      <p:nvGrpSpPr>
+        <p:cNvPr id="1" name=""/>
+        <p:cNvGrpSpPr/>
+        <p:nvPr/>
+      </p:nvGrpSpPr>
+      <p:grpSpPr>
+        <a:xfrm>
+          <a:off x="0" y="0"/>
+          <a:ext cx="0" cy="0"/>
+          <a:chOff x="0" y="0"/>
+          <a:chExt cx="0" cy="0"/>
+        </a:xfrm>
+      </p:grpSpPr>
+      <p:sp>
+        <p:nvSpPr>
+          <p:cNvPr id="107" name="CustomShape 1"/>
+          <p:cNvSpPr/>
+          <p:nvPr/>
+        </p:nvSpPr>
+        <p:spPr>
+          <a:xfrm>
+            <a:off x="390600" y="2914560"/>
+            <a:ext cx="9070560" cy="1261080"/>
+          </a:xfrm>
+          <a:prstGeom prst="rect">
+            <a:avLst/>
+          </a:prstGeom>
+          <a:noFill/>
+          <a:ln>
+            <a:noFill/>
+          </a:ln>
+        </p:spPr>
+        <p:style>
+          <a:lnRef idx="0"/>
+          <a:fillRef idx="0"/>
+          <a:effectRef idx="0"/>
+          <a:fontRef idx="minor"/>
+        </p:style>
+        <p:txBody>
+          <a:bodyPr lIns="0" rIns="0" tIns="0" bIns="0" anchor="ctr"/>
+          <a:p>
+            <a:pPr algn="ctr">
+              <a:lnSpc>
+                <a:spcPct val="100000"/>
+              </a:lnSpc>
+            </a:pPr>
+            <a:r>
+              <a:rPr b="0" lang="en-US" sz="3600" spc="-1" strike="noStrike">
+                <a:solidFill>
+                  <a:srgbClr val="000000"/>
+                </a:solidFill>
+                <a:uFill>
+                  <a:solidFill>
+                    <a:srgbClr val="ffffff"/>
+                  </a:solidFill>
+                </a:uFill>
+                <a:latin typeface="Arial"/>
+                <a:ea typeface="DejaVu Sans"/>
+              </a:rPr>
+              <a:t>スコアランキング</a:t>
+            </a:r>
+            <a:endParaRPr b="0" lang="en-US" sz="1800" spc="-1" strike="noStrike">
+              <a:solidFill>
+                <a:srgbClr val="000000"/>
+              </a:solidFill>
+              <a:uFill>
+                <a:solidFill>
+                  <a:srgbClr val="ffffff"/>
+                </a:solidFill>
+              </a:uFill>
+              <a:latin typeface="Arial"/>
+            </a:endParaRPr>
+          </a:p>
+        </p:txBody>
+      </p:sp>
+    </p:spTree>
+  </p:cSld>
+  <p:timing>
+    <p:tnLst>
+      <p:par>
+        <p:cTn id="49" dur="indefinite" restart="never" nodeType="tmRoot">
+          <p:childTnLst>
+            <p:seq>
+              <p:cTn id="50" nodeType="mainSeq"/>
+              <p:prevCondLst>
+                <p:cond delay="0" evt="onPrev">
+                  <p:tgtEl>
+                    <p:sldTgt/>
+                  </p:tgtEl>
+                </p:cond>
+              </p:prevCondLst>
+              <p:nextCondLst>
+                <p:cond delay="0" evt="onNext">
+                  <p:tgtEl>
+                    <p:sldTgt/>
+                  </p:tgtEl>
+                </p:cond>
+              </p:nextCondLst>
+            </p:seq>
+          </p:childTnLst>
+        </p:cTn>
+      </p:par>
+    </p:tnLst>
+  </p:timing>
+</p:sld>
+</file>
+
+<file path=ppt/slides/slide26.xml><?xml version="1.0" encoding="utf-8"?>
+<p:sld xmlns:a="http://schemas.openxmlformats.org/drawingml/2006/main" xmlns:p="http://schemas.openxmlformats.org/presentationml/2006/main" xmlns:r="http://schemas.openxmlformats.org/officeDocument/2006/relationships" xmlns:p14="http://schemas.microsoft.com/office/powerpoint/2010/main" xmlns:p15="http://schemas.microsoft.com/office/powerpoint/2012/main" xmlns:mc="http://schemas.openxmlformats.org/markup-compatibility/2006">
+  <p:cSld>
+    <p:spTree>
+      <p:nvGrpSpPr>
+        <p:cNvPr id="1" name=""/>
+        <p:cNvGrpSpPr/>
+        <p:nvPr/>
+      </p:nvGrpSpPr>
+      <p:grpSpPr>
+        <a:xfrm>
+          <a:off x="0" y="0"/>
+          <a:ext cx="0" cy="0"/>
+          <a:chOff x="0" y="0"/>
+          <a:chExt cx="0" cy="0"/>
+        </a:xfrm>
+      </p:grpSpPr>
+      <p:sp>
+        <p:nvSpPr>
+          <p:cNvPr id="108" name="TextShape 1"/>
+          <p:cNvSpPr txBox="1"/>
+          <p:nvPr/>
+        </p:nvSpPr>
+        <p:spPr>
+          <a:xfrm>
+            <a:off x="936000" y="1512000"/>
+            <a:ext cx="8496000" cy="2376000"/>
+          </a:xfrm>
+          <a:prstGeom prst="rect">
+            <a:avLst/>
+          </a:prstGeom>
+          <a:noFill/>
+          <a:ln>
+            <a:noFill/>
+          </a:ln>
+        </p:spPr>
+        <p:txBody>
+          <a:bodyPr lIns="90000" rIns="90000" tIns="45000" bIns="45000"/>
+          <a:p>
+            <a:r>
+              <a:rPr b="0" lang="en-US" sz="1800" spc="-1" strike="noStrike">
+                <a:solidFill>
+                  <a:srgbClr val="000000"/>
+                </a:solidFill>
+                <a:uFill>
+                  <a:solidFill>
+                    <a:srgbClr val="ffffff"/>
+                  </a:solidFill>
+                </a:uFill>
+                <a:latin typeface="Arial"/>
+              </a:rPr>
+              <a:t>プレイデータからランキングを取得する</a:t>
+            </a:r>
+            <a:r>
+              <a:rPr b="0" lang="en-US" sz="1800" spc="-1" strike="noStrike">
+                <a:solidFill>
+                  <a:srgbClr val="000000"/>
+                </a:solidFill>
+                <a:uFill>
+                  <a:solidFill>
+                    <a:srgbClr val="ffffff"/>
+                  </a:solidFill>
+                </a:uFill>
+                <a:latin typeface="Arial"/>
+              </a:rPr>
+              <a:t>SQL</a:t>
+            </a:r>
+            <a:r>
+              <a:rPr b="0" lang="en-US" sz="1800" spc="-1" strike="noStrike">
+                <a:solidFill>
+                  <a:srgbClr val="000000"/>
+                </a:solidFill>
+                <a:uFill>
+                  <a:solidFill>
+                    <a:srgbClr val="ffffff"/>
+                  </a:solidFill>
+                </a:uFill>
+                <a:latin typeface="Arial"/>
+              </a:rPr>
+              <a:t>文を考える。</a:t>
+            </a:r>
+            <a:endParaRPr b="0" lang="en-US" sz="1800" spc="-1" strike="noStrike">
+              <a:solidFill>
+                <a:srgbClr val="000000"/>
+              </a:solidFill>
+              <a:uFill>
+                <a:solidFill>
+                  <a:srgbClr val="ffffff"/>
+                </a:solidFill>
+              </a:uFill>
+              <a:latin typeface="Arial"/>
+            </a:endParaRPr>
+          </a:p>
+          <a:p>
+            <a:r>
+              <a:rPr b="0" lang="en-US" sz="1800" spc="-1" strike="noStrike">
+                <a:solidFill>
+                  <a:srgbClr val="000000"/>
+                </a:solidFill>
+                <a:uFill>
+                  <a:solidFill>
+                    <a:srgbClr val="ffffff"/>
+                  </a:solidFill>
+                </a:uFill>
+                <a:latin typeface="Arial"/>
+              </a:rPr>
+              <a:t>最適化ができそう</a:t>
+            </a:r>
+            <a:endParaRPr b="0" lang="en-US" sz="1800" spc="-1" strike="noStrike">
+              <a:solidFill>
+                <a:srgbClr val="000000"/>
+              </a:solidFill>
+              <a:uFill>
+                <a:solidFill>
+                  <a:srgbClr val="ffffff"/>
+                </a:solidFill>
+              </a:uFill>
+              <a:latin typeface="Arial"/>
+            </a:endParaRPr>
+          </a:p>
+          <a:p>
+            <a:endParaRPr b="0" lang="en-US" sz="1800" spc="-1" strike="noStrike">
+              <a:solidFill>
+                <a:srgbClr val="000000"/>
+              </a:solidFill>
+              <a:uFill>
+                <a:solidFill>
+                  <a:srgbClr val="ffffff"/>
+                </a:solidFill>
+              </a:uFill>
+              <a:latin typeface="Arial"/>
+            </a:endParaRPr>
+          </a:p>
+          <a:p>
+            <a:r>
+              <a:rPr b="0" lang="en-US" sz="1800" spc="-1" strike="noStrike">
+                <a:solidFill>
+                  <a:srgbClr val="000000"/>
+                </a:solidFill>
+                <a:uFill>
+                  <a:solidFill>
+                    <a:srgbClr val="ffffff"/>
+                  </a:solidFill>
+                </a:uFill>
+                <a:latin typeface="Arial"/>
+              </a:rPr>
+              <a:t>現状プレイデータが少ないので処理時間がそんなにかからないが、</a:t>
+            </a:r>
+            <a:endParaRPr b="0" lang="en-US" sz="1800" spc="-1" strike="noStrike">
+              <a:solidFill>
+                <a:srgbClr val="000000"/>
+              </a:solidFill>
+              <a:uFill>
+                <a:solidFill>
+                  <a:srgbClr val="ffffff"/>
+                </a:solidFill>
+              </a:uFill>
+              <a:latin typeface="Arial"/>
+            </a:endParaRPr>
+          </a:p>
+          <a:p>
+            <a:r>
+              <a:rPr b="0" lang="en-US" sz="1800" spc="-1" strike="noStrike">
+                <a:solidFill>
+                  <a:srgbClr val="000000"/>
+                </a:solidFill>
+                <a:uFill>
+                  <a:solidFill>
+                    <a:srgbClr val="ffffff"/>
+                  </a:solidFill>
+                </a:uFill>
+                <a:latin typeface="Arial"/>
+              </a:rPr>
+              <a:t>当然データ量が多くなれば処理時間が確実に増えるので高速な</a:t>
+            </a:r>
+            <a:r>
+              <a:rPr b="0" lang="en-US" sz="1800" spc="-1" strike="noStrike">
+                <a:solidFill>
+                  <a:srgbClr val="000000"/>
+                </a:solidFill>
+                <a:uFill>
+                  <a:solidFill>
+                    <a:srgbClr val="ffffff"/>
+                  </a:solidFill>
+                </a:uFill>
+                <a:latin typeface="Arial"/>
+              </a:rPr>
+              <a:t>SQL</a:t>
+            </a:r>
+            <a:r>
+              <a:rPr b="0" lang="en-US" sz="1800" spc="-1" strike="noStrike">
+                <a:solidFill>
+                  <a:srgbClr val="000000"/>
+                </a:solidFill>
+                <a:uFill>
+                  <a:solidFill>
+                    <a:srgbClr val="ffffff"/>
+                  </a:solidFill>
+                </a:uFill>
+                <a:latin typeface="Arial"/>
+              </a:rPr>
+              <a:t>文が書けるように勉強しなければならない。</a:t>
+            </a:r>
+            <a:endParaRPr b="0" lang="en-US" sz="1800" spc="-1" strike="noStrike">
+              <a:solidFill>
+                <a:srgbClr val="000000"/>
+              </a:solidFill>
+              <a:uFill>
+                <a:solidFill>
+                  <a:srgbClr val="ffffff"/>
+                </a:solidFill>
+              </a:uFill>
+              <a:latin typeface="Arial"/>
+            </a:endParaRPr>
+          </a:p>
+        </p:txBody>
+      </p:sp>
+    </p:spTree>
+  </p:cSld>
+  <p:timing>
+    <p:tnLst>
+      <p:par>
+        <p:cTn id="51" dur="indefinite" restart="never" nodeType="tmRoot">
+          <p:childTnLst>
+            <p:seq>
+              <p:cTn id="52" nodeType="mainSeq"/>
+              <p:prevCondLst>
+                <p:cond delay="0" evt="onPrev">
+                  <p:tgtEl>
+                    <p:sldTgt/>
+                  </p:tgtEl>
+                </p:cond>
+              </p:prevCondLst>
+              <p:nextCondLst>
+                <p:cond delay="0" evt="onNext">
+                  <p:tgtEl>
+                    <p:sldTgt/>
+                  </p:tgtEl>
+                </p:cond>
+              </p:nextCondLst>
+            </p:seq>
+          </p:childTnLst>
+        </p:cTn>
+      </p:par>
+    </p:tnLst>
+  </p:timing>
+</p:sld>
+</file>
+
+<file path=ppt/slides/slide27.xml><?xml version="1.0" encoding="utf-8"?>
+<p:sld xmlns:a="http://schemas.openxmlformats.org/drawingml/2006/main" xmlns:p="http://schemas.openxmlformats.org/presentationml/2006/main" xmlns:r="http://schemas.openxmlformats.org/officeDocument/2006/relationships" xmlns:p14="http://schemas.microsoft.com/office/powerpoint/2010/main" xmlns:p15="http://schemas.microsoft.com/office/powerpoint/2012/main" xmlns:mc="http://schemas.openxmlformats.org/markup-compatibility/2006">
+  <p:cSld>
+    <p:spTree>
+      <p:nvGrpSpPr>
+        <p:cNvPr id="1" name=""/>
+        <p:cNvGrpSpPr/>
+        <p:nvPr/>
+      </p:nvGrpSpPr>
+      <p:grpSpPr>
+        <a:xfrm>
+          <a:off x="0" y="0"/>
+          <a:ext cx="0" cy="0"/>
+          <a:chOff x="0" y="0"/>
+          <a:chExt cx="0" cy="0"/>
+        </a:xfrm>
+      </p:grpSpPr>
+      <p:sp>
+        <p:nvSpPr>
+          <p:cNvPr id="109" name="CustomShape 1"/>
+          <p:cNvSpPr/>
+          <p:nvPr/>
+        </p:nvSpPr>
+        <p:spPr>
+          <a:xfrm>
+            <a:off x="390600" y="2914560"/>
+            <a:ext cx="9070560" cy="1261080"/>
+          </a:xfrm>
+          <a:prstGeom prst="rect">
+            <a:avLst/>
+          </a:prstGeom>
+          <a:noFill/>
+          <a:ln>
+            <a:noFill/>
+          </a:ln>
+        </p:spPr>
+        <p:style>
+          <a:lnRef idx="0"/>
+          <a:fillRef idx="0"/>
+          <a:effectRef idx="0"/>
+          <a:fontRef idx="minor"/>
+        </p:style>
+        <p:txBody>
+          <a:bodyPr lIns="0" rIns="0" tIns="0" bIns="0" anchor="ctr"/>
+          <a:p>
+            <a:pPr algn="ctr">
+              <a:lnSpc>
+                <a:spcPct val="100000"/>
+              </a:lnSpc>
+            </a:pPr>
+            <a:r>
+              <a:rPr b="0" lang="en-US" sz="3600" spc="-1" strike="noStrike">
+                <a:solidFill>
+                  <a:srgbClr val="000000"/>
+                </a:solidFill>
+                <a:uFill>
+                  <a:solidFill>
+                    <a:srgbClr val="ffffff"/>
+                  </a:solidFill>
+                </a:uFill>
+                <a:latin typeface="Arial"/>
+                <a:ea typeface="DejaVu Sans"/>
+              </a:rPr>
+              <a:t>デモ</a:t>
+            </a:r>
+            <a:endParaRPr b="0" lang="en-US" sz="1800" spc="-1" strike="noStrike">
+              <a:solidFill>
+                <a:srgbClr val="000000"/>
+              </a:solidFill>
+              <a:uFill>
+                <a:solidFill>
+                  <a:srgbClr val="ffffff"/>
+                </a:solidFill>
+              </a:uFill>
+              <a:latin typeface="Arial"/>
+            </a:endParaRPr>
+          </a:p>
+        </p:txBody>
+      </p:sp>
+    </p:spTree>
+  </p:cSld>
+  <p:timing>
+    <p:tnLst>
+      <p:par>
+        <p:cTn id="53" dur="indefinite" restart="never" nodeType="tmRoot">
+          <p:childTnLst>
+            <p:seq>
+              <p:cTn id="54" nodeType="mainSeq"/>
+              <p:prevCondLst>
+                <p:cond delay="0" evt="onPrev">
+                  <p:tgtEl>
+                    <p:sldTgt/>
+                  </p:tgtEl>
+                </p:cond>
+              </p:prevCondLst>
+              <p:nextCondLst>
+                <p:cond delay="0" evt="onNext">
+                  <p:tgtEl>
+                    <p:sldTgt/>
+                  </p:tgtEl>
+                </p:cond>
+              </p:nextCondLst>
+            </p:seq>
+          </p:childTnLst>
+        </p:cTn>
+      </p:par>
+    </p:tnLst>
+  </p:timing>
+</p:sld>
+</file>
+
+<file path=ppt/slides/slide28.xml><?xml version="1.0" encoding="utf-8"?>
+<p:sld xmlns:a="http://schemas.openxmlformats.org/drawingml/2006/main" xmlns:p="http://schemas.openxmlformats.org/presentationml/2006/main" xmlns:r="http://schemas.openxmlformats.org/officeDocument/2006/relationships" xmlns:p14="http://schemas.microsoft.com/office/powerpoint/2010/main" xmlns:p15="http://schemas.microsoft.com/office/powerpoint/2012/main" xmlns:mc="http://schemas.openxmlformats.org/markup-compatibility/2006">
+  <p:cSld>
+    <p:spTree>
+      <p:nvGrpSpPr>
+        <p:cNvPr id="1" name=""/>
+        <p:cNvGrpSpPr/>
+        <p:nvPr/>
+      </p:nvGrpSpPr>
+      <p:grpSpPr>
+        <a:xfrm>
+          <a:off x="0" y="0"/>
+          <a:ext cx="0" cy="0"/>
+          <a:chOff x="0" y="0"/>
+          <a:chExt cx="0" cy="0"/>
+        </a:xfrm>
+      </p:grpSpPr>
+      <p:sp>
+        <p:nvSpPr>
+          <p:cNvPr id="110" name="CustomShape 1"/>
+          <p:cNvSpPr/>
+          <p:nvPr/>
+        </p:nvSpPr>
+        <p:spPr>
+          <a:xfrm>
+            <a:off x="504000" y="301320"/>
+            <a:ext cx="9070560" cy="1261080"/>
+          </a:xfrm>
+          <a:prstGeom prst="rect">
+            <a:avLst/>
+          </a:prstGeom>
+          <a:noFill/>
+          <a:ln>
+            <a:noFill/>
+          </a:ln>
+        </p:spPr>
+        <p:style>
+          <a:lnRef idx="0"/>
+          <a:fillRef idx="0"/>
+          <a:effectRef idx="0"/>
+          <a:fontRef idx="minor"/>
+        </p:style>
+        <p:txBody>
+          <a:bodyPr lIns="0" rIns="0" tIns="0" bIns="0" anchor="ctr"/>
+          <a:p>
+            <a:pPr algn="ctr">
+              <a:lnSpc>
+                <a:spcPct val="100000"/>
+              </a:lnSpc>
+            </a:pPr>
+            <a:r>
+              <a:rPr b="0" lang="en-US" sz="4400" spc="-1" strike="noStrike">
+                <a:solidFill>
+                  <a:srgbClr val="000000"/>
+                </a:solidFill>
+                <a:uFill>
+                  <a:solidFill>
+                    <a:srgbClr val="ffffff"/>
+                  </a:solidFill>
+                </a:uFill>
+                <a:latin typeface="Arial"/>
+                <a:ea typeface="DejaVu Sans"/>
+              </a:rPr>
+              <a:t>４．感想と反省</a:t>
+            </a:r>
+            <a:endParaRPr b="0" lang="en-US" sz="1800" spc="-1" strike="noStrike">
+              <a:solidFill>
+                <a:srgbClr val="000000"/>
+              </a:solidFill>
+              <a:uFill>
+                <a:solidFill>
+                  <a:srgbClr val="ffffff"/>
+                </a:solidFill>
+              </a:uFill>
+              <a:latin typeface="Arial"/>
+            </a:endParaRPr>
+          </a:p>
+        </p:txBody>
+      </p:sp>
+      <p:sp>
+        <p:nvSpPr>
+          <p:cNvPr id="111" name="CustomShape 2"/>
+          <p:cNvSpPr/>
+          <p:nvPr/>
+        </p:nvSpPr>
+        <p:spPr>
+          <a:xfrm>
+            <a:off x="792000" y="2160000"/>
+            <a:ext cx="8638920" cy="2806920"/>
+          </a:xfrm>
+          <a:prstGeom prst="rect">
+            <a:avLst/>
+          </a:prstGeom>
+          <a:noFill/>
+          <a:ln w="36000">
+            <a:noFill/>
+          </a:ln>
+        </p:spPr>
+        <p:style>
+          <a:lnRef idx="0"/>
+          <a:fillRef idx="0"/>
+          <a:effectRef idx="0"/>
+          <a:fontRef idx="minor"/>
+        </p:style>
+      </p:sp>
+      <p:sp>
+        <p:nvSpPr>
+          <p:cNvPr id="112" name="TextShape 3"/>
+          <p:cNvSpPr txBox="1"/>
+          <p:nvPr/>
+        </p:nvSpPr>
+        <p:spPr>
+          <a:xfrm>
+            <a:off x="1224000" y="1800000"/>
+            <a:ext cx="7632000" cy="2175120"/>
+          </a:xfrm>
+          <a:prstGeom prst="rect">
+            <a:avLst/>
+          </a:prstGeom>
+          <a:noFill/>
+          <a:ln>
+            <a:noFill/>
+          </a:ln>
+        </p:spPr>
+        <p:txBody>
+          <a:bodyPr lIns="90000" rIns="90000" tIns="45000" bIns="45000"/>
+          <a:p>
+            <a:r>
+              <a:rPr b="0" lang="en-US" sz="1800" spc="-1" strike="noStrike">
+                <a:solidFill>
+                  <a:srgbClr val="000000"/>
+                </a:solidFill>
+                <a:uFill>
+                  <a:solidFill>
+                    <a:srgbClr val="ffffff"/>
+                  </a:solidFill>
+                </a:uFill>
+                <a:latin typeface="Arial"/>
+              </a:rPr>
+              <a:t>・仕様段階での路線変更があったが結果的になんとか形になった</a:t>
+            </a:r>
+            <a:endParaRPr b="0" lang="en-US" sz="1800" spc="-1" strike="noStrike">
+              <a:solidFill>
+                <a:srgbClr val="000000"/>
+              </a:solidFill>
+              <a:uFill>
+                <a:solidFill>
+                  <a:srgbClr val="ffffff"/>
+                </a:solidFill>
+              </a:uFill>
+              <a:latin typeface="Arial"/>
+            </a:endParaRPr>
+          </a:p>
+          <a:p>
+            <a:endParaRPr b="0" lang="en-US" sz="1800" spc="-1" strike="noStrike">
+              <a:solidFill>
+                <a:srgbClr val="000000"/>
+              </a:solidFill>
+              <a:uFill>
+                <a:solidFill>
+                  <a:srgbClr val="ffffff"/>
+                </a:solidFill>
+              </a:uFill>
+              <a:latin typeface="Arial"/>
+            </a:endParaRPr>
+          </a:p>
+          <a:p>
+            <a:r>
+              <a:rPr b="0" lang="en-US" sz="1800" spc="-1" strike="noStrike">
+                <a:solidFill>
+                  <a:srgbClr val="000000"/>
+                </a:solidFill>
+                <a:uFill>
+                  <a:solidFill>
+                    <a:srgbClr val="ffffff"/>
+                  </a:solidFill>
+                </a:uFill>
+                <a:latin typeface="Arial"/>
+              </a:rPr>
+              <a:t>・サーバーとの通信や</a:t>
+            </a:r>
+            <a:r>
+              <a:rPr b="0" lang="en-US" sz="1800" spc="-1" strike="noStrike">
+                <a:solidFill>
+                  <a:srgbClr val="000000"/>
+                </a:solidFill>
+                <a:uFill>
+                  <a:solidFill>
+                    <a:srgbClr val="ffffff"/>
+                  </a:solidFill>
+                </a:uFill>
+                <a:latin typeface="Arial"/>
+              </a:rPr>
+              <a:t>DB</a:t>
+            </a:r>
+            <a:r>
+              <a:rPr b="0" lang="en-US" sz="1800" spc="-1" strike="noStrike">
+                <a:solidFill>
+                  <a:srgbClr val="000000"/>
+                </a:solidFill>
+                <a:uFill>
+                  <a:solidFill>
+                    <a:srgbClr val="ffffff"/>
+                  </a:solidFill>
+                </a:uFill>
+                <a:latin typeface="Arial"/>
+              </a:rPr>
+              <a:t>へのアクセスは改良の余地がある。</a:t>
+            </a:r>
+            <a:endParaRPr b="0" lang="en-US" sz="1800" spc="-1" strike="noStrike">
+              <a:solidFill>
+                <a:srgbClr val="000000"/>
+              </a:solidFill>
+              <a:uFill>
+                <a:solidFill>
+                  <a:srgbClr val="ffffff"/>
+                </a:solidFill>
+              </a:uFill>
+              <a:latin typeface="Arial"/>
+            </a:endParaRPr>
+          </a:p>
+          <a:p>
+            <a:endParaRPr b="0" lang="en-US" sz="1800" spc="-1" strike="noStrike">
+              <a:solidFill>
+                <a:srgbClr val="000000"/>
+              </a:solidFill>
+              <a:uFill>
+                <a:solidFill>
+                  <a:srgbClr val="ffffff"/>
+                </a:solidFill>
+              </a:uFill>
+              <a:latin typeface="Arial"/>
+            </a:endParaRPr>
+          </a:p>
+          <a:p>
+            <a:r>
+              <a:rPr b="0" lang="en-US" sz="1800" spc="-1" strike="noStrike">
+                <a:solidFill>
+                  <a:srgbClr val="000000"/>
+                </a:solidFill>
+                <a:uFill>
+                  <a:solidFill>
+                    <a:srgbClr val="ffffff"/>
+                  </a:solidFill>
+                </a:uFill>
+                <a:latin typeface="Arial"/>
+              </a:rPr>
+              <a:t>・サムライのコードを見た後に自分のコードを見て・・・</a:t>
+            </a:r>
+            <a:endParaRPr b="0" lang="en-US" sz="1800" spc="-1" strike="noStrike">
+              <a:solidFill>
+                <a:srgbClr val="000000"/>
+              </a:solidFill>
+              <a:uFill>
+                <a:solidFill>
+                  <a:srgbClr val="ffffff"/>
+                </a:solidFill>
+              </a:uFill>
+              <a:latin typeface="Arial"/>
+            </a:endParaRPr>
+          </a:p>
+          <a:p>
+            <a:endParaRPr b="0" lang="en-US" sz="1800" spc="-1" strike="noStrike">
+              <a:solidFill>
+                <a:srgbClr val="000000"/>
+              </a:solidFill>
+              <a:uFill>
+                <a:solidFill>
+                  <a:srgbClr val="ffffff"/>
+                </a:solidFill>
+              </a:uFill>
+              <a:latin typeface="Arial"/>
+            </a:endParaRPr>
+          </a:p>
+          <a:p>
+            <a:r>
+              <a:rPr b="0" lang="en-US" sz="1800" spc="-1" strike="noStrike">
+                <a:solidFill>
+                  <a:srgbClr val="000000"/>
+                </a:solidFill>
+                <a:uFill>
+                  <a:solidFill>
+                    <a:srgbClr val="ffffff"/>
+                  </a:solidFill>
+                </a:uFill>
+                <a:latin typeface="Arial"/>
+              </a:rPr>
+              <a:t>・勉強すべき技術・知識の多さ</a:t>
+            </a:r>
+            <a:endParaRPr b="0" lang="en-US" sz="1800" spc="-1" strike="noStrike">
+              <a:solidFill>
+                <a:srgbClr val="000000"/>
+              </a:solidFill>
+              <a:uFill>
+                <a:solidFill>
+                  <a:srgbClr val="ffffff"/>
+                </a:solidFill>
+              </a:uFill>
+              <a:latin typeface="Arial"/>
+            </a:endParaRPr>
+          </a:p>
+          <a:p>
+            <a:endParaRPr b="0" lang="en-US" sz="1800" spc="-1" strike="noStrike">
+              <a:solidFill>
+                <a:srgbClr val="000000"/>
+              </a:solidFill>
+              <a:uFill>
+                <a:solidFill>
+                  <a:srgbClr val="ffffff"/>
+                </a:solidFill>
+              </a:uFill>
+              <a:latin typeface="Arial"/>
+            </a:endParaRPr>
+          </a:p>
+          <a:p>
+            <a:endParaRPr b="0" lang="en-US" sz="1800" spc="-1" strike="noStrike">
+              <a:solidFill>
+                <a:srgbClr val="000000"/>
+              </a:solidFill>
+              <a:uFill>
+                <a:solidFill>
+                  <a:srgbClr val="ffffff"/>
+                </a:solidFill>
+              </a:uFill>
+              <a:latin typeface="Arial"/>
+            </a:endParaRPr>
+          </a:p>
+        </p:txBody>
+      </p:sp>
+    </p:spTree>
+  </p:cSld>
+  <p:timing>
+    <p:tnLst>
+      <p:par>
+        <p:cTn id="55" dur="indefinite" restart="never" nodeType="tmRoot">
+          <p:childTnLst>
+            <p:seq>
+              <p:cTn id="56" nodeType="mainSeq"/>
+              <p:prevCondLst>
+                <p:cond delay="0" evt="onPrev">
+                  <p:tgtEl>
+                    <p:sldTgt/>
+                  </p:tgtEl>
+                </p:cond>
+              </p:prevCondLst>
+              <p:nextCondLst>
+                <p:cond delay="0" evt="onNext">
+                  <p:tgtEl>
+                    <p:sldTgt/>
+                  </p:tgtEl>
+                </p:cond>
+              </p:nextCondLst>
+            </p:seq>
+          </p:childTnLst>
+        </p:cTn>
+      </p:par>
+    </p:tnLst>
+  </p:timing>
+</p:sld>
+</file>
+
+<file path=ppt/slides/slide29.xml><?xml version="1.0" encoding="utf-8"?>
+<p:sld xmlns:a="http://schemas.openxmlformats.org/drawingml/2006/main" xmlns:p="http://schemas.openxmlformats.org/presentationml/2006/main" xmlns:r="http://schemas.openxmlformats.org/officeDocument/2006/relationships" xmlns:p14="http://schemas.microsoft.com/office/powerpoint/2010/main" xmlns:p15="http://schemas.microsoft.com/office/powerpoint/2012/main" xmlns:mc="http://schemas.openxmlformats.org/markup-compatibility/2006">
+  <p:cSld>
+    <p:spTree>
+      <p:nvGrpSpPr>
+        <p:cNvPr id="1" name=""/>
+        <p:cNvGrpSpPr/>
+        <p:nvPr/>
+      </p:nvGrpSpPr>
+      <p:grpSpPr>
+        <a:xfrm>
+          <a:off x="0" y="0"/>
+          <a:ext cx="0" cy="0"/>
+          <a:chOff x="0" y="0"/>
+          <a:chExt cx="0" cy="0"/>
+        </a:xfrm>
+      </p:grpSpPr>
+      <p:sp>
+        <p:nvSpPr>
+          <p:cNvPr id="113" name="CustomShape 1"/>
+          <p:cNvSpPr/>
+          <p:nvPr/>
+        </p:nvSpPr>
+        <p:spPr>
+          <a:xfrm>
+            <a:off x="504000" y="3060000"/>
+            <a:ext cx="9070560" cy="1261080"/>
+          </a:xfrm>
+          <a:prstGeom prst="rect">
+            <a:avLst/>
+          </a:prstGeom>
+          <a:noFill/>
+          <a:ln>
+            <a:noFill/>
+          </a:ln>
+        </p:spPr>
+        <p:style>
+          <a:lnRef idx="0"/>
+          <a:fillRef idx="0"/>
+          <a:effectRef idx="0"/>
+          <a:fontRef idx="minor"/>
+        </p:style>
+        <p:txBody>
+          <a:bodyPr lIns="0" rIns="0" tIns="0" bIns="0" anchor="ctr"/>
+          <a:p>
+            <a:pPr algn="ctr">
+              <a:lnSpc>
+                <a:spcPct val="100000"/>
+              </a:lnSpc>
+            </a:pPr>
+            <a:r>
+              <a:rPr b="0" lang="en-US" sz="4400" spc="-1" strike="noStrike">
+                <a:solidFill>
+                  <a:srgbClr val="000000"/>
+                </a:solidFill>
+                <a:uFill>
+                  <a:solidFill>
+                    <a:srgbClr val="ffffff"/>
+                  </a:solidFill>
+                </a:uFill>
+                <a:latin typeface="Arial"/>
+                <a:ea typeface="DejaVu Sans"/>
+              </a:rPr>
+              <a:t>ご清聴ありがとうございました。</a:t>
+            </a:r>
+            <a:endParaRPr b="0" lang="en-US" sz="1800" spc="-1" strike="noStrike">
+              <a:solidFill>
+                <a:srgbClr val="000000"/>
+              </a:solidFill>
+              <a:uFill>
+                <a:solidFill>
+                  <a:srgbClr val="ffffff"/>
+                </a:solidFill>
+              </a:uFill>
+              <a:latin typeface="Arial"/>
+            </a:endParaRPr>
+          </a:p>
+        </p:txBody>
+      </p:sp>
+    </p:spTree>
+  </p:cSld>
+  <p:timing>
+    <p:tnLst>
+      <p:par>
+        <p:cTn id="57" dur="indefinite" restart="never" nodeType="tmRoot">
+          <p:childTnLst>
+            <p:seq>
+              <p:cTn id="58" nodeType="mainSeq"/>
               <p:prevCondLst>
                 <p:cond delay="0" evt="onPrev">
                   <p:tgtEl>
@@ -4975,15 +7987,18 @@
         </p:nvSpPr>
         <p:spPr>
           <a:xfrm>
-            <a:off x="504000" y="301320"/>
-            <a:ext cx="9070920" cy="1261440"/>
+            <a:off x="1512000" y="2592000"/>
+            <a:ext cx="7488000" cy="1512000"/>
           </a:xfrm>
           <a:prstGeom prst="rect">
             <a:avLst/>
           </a:prstGeom>
           <a:noFill/>
-          <a:ln>
-            <a:noFill/>
+          <a:ln w="76320">
+            <a:solidFill>
+              <a:srgbClr val="0066ff"/>
+            </a:solidFill>
+            <a:round/>
           </a:ln>
         </p:spPr>
         <p:style>
@@ -4992,42 +8007,6 @@
           <a:effectRef idx="0"/>
           <a:fontRef idx="minor"/>
         </p:style>
-        <p:txBody>
-          <a:bodyPr lIns="0" rIns="0" tIns="0" bIns="0" anchor="ctr"/>
-          <a:p>
-            <a:pPr algn="ctr">
-              <a:lnSpc>
-                <a:spcPct val="100000"/>
-              </a:lnSpc>
-            </a:pPr>
-            <a:r>
-              <a:rPr b="0" lang="en-US" sz="4400" spc="-1" strike="noStrike">
-                <a:solidFill>
-                  <a:srgbClr val="000000"/>
-                </a:solidFill>
-                <a:uFill>
-                  <a:solidFill>
-                    <a:srgbClr val="ffffff"/>
-                  </a:solidFill>
-                </a:uFill>
-                <a:latin typeface="Arial"/>
-                <a:ea typeface="DejaVu Sans"/>
-              </a:rPr>
-              <a:t>１．実装機能について</a:t>
-            </a:r>
-            <a:endParaRPr b="0" lang="en-US" sz="1800" spc="-1" strike="noStrike">
-              <a:solidFill>
-                <a:srgbClr val="000000"/>
-              </a:solidFill>
-              <a:uFill>
-                <a:solidFill>
-                  <a:srgbClr val="ffffff"/>
-                </a:solidFill>
-              </a:uFill>
-              <a:latin typeface="Arial"/>
-            </a:endParaRPr>
-          </a:p>
-        </p:txBody>
       </p:sp>
       <p:sp>
         <p:nvSpPr>
@@ -5037,8 +8016,8 @@
         </p:nvSpPr>
         <p:spPr>
           <a:xfrm>
-            <a:off x="1224000" y="1800000"/>
-            <a:ext cx="7559280" cy="4823280"/>
+            <a:off x="504000" y="301320"/>
+            <a:ext cx="9070560" cy="1261080"/>
           </a:xfrm>
           <a:prstGeom prst="rect">
             <a:avLst/>
@@ -5055,9 +8034,71 @@
           <a:fontRef idx="minor"/>
         </p:style>
         <p:txBody>
+          <a:bodyPr lIns="0" rIns="0" tIns="0" bIns="0" anchor="ctr"/>
+          <a:p>
+            <a:pPr algn="ctr">
+              <a:lnSpc>
+                <a:spcPct val="100000"/>
+              </a:lnSpc>
+            </a:pPr>
+            <a:r>
+              <a:rPr b="0" lang="en-US" sz="4400" spc="-1" strike="noStrike">
+                <a:solidFill>
+                  <a:srgbClr val="000000"/>
+                </a:solidFill>
+                <a:uFill>
+                  <a:solidFill>
+                    <a:srgbClr val="ffffff"/>
+                  </a:solidFill>
+                </a:uFill>
+                <a:latin typeface="Arial"/>
+                <a:ea typeface="DejaVu Sans"/>
+              </a:rPr>
+              <a:t>１．実装機能について</a:t>
+            </a:r>
+            <a:endParaRPr b="0" lang="en-US" sz="1800" spc="-1" strike="noStrike">
+              <a:solidFill>
+                <a:srgbClr val="000000"/>
+              </a:solidFill>
+              <a:uFill>
+                <a:solidFill>
+                  <a:srgbClr val="ffffff"/>
+                </a:solidFill>
+              </a:uFill>
+              <a:latin typeface="Arial"/>
+            </a:endParaRPr>
+          </a:p>
+        </p:txBody>
+      </p:sp>
+      <p:sp>
+        <p:nvSpPr>
+          <p:cNvPr id="79" name="CustomShape 3"/>
+          <p:cNvSpPr/>
+          <p:nvPr/>
+        </p:nvSpPr>
+        <p:spPr>
+          <a:xfrm>
+            <a:off x="1224000" y="1800000"/>
+            <a:ext cx="7558920" cy="4822920"/>
+          </a:xfrm>
+          <a:prstGeom prst="rect">
+            <a:avLst/>
+          </a:prstGeom>
+          <a:noFill/>
+          <a:ln>
+            <a:noFill/>
+          </a:ln>
+        </p:spPr>
+        <p:style>
+          <a:lnRef idx="0"/>
+          <a:fillRef idx="0"/>
+          <a:effectRef idx="0"/>
+          <a:fontRef idx="minor"/>
+        </p:style>
+        <p:txBody>
           <a:bodyPr lIns="0" rIns="0" tIns="0" bIns="0"/>
           <a:p>
-            <a:pPr marL="432000" indent="-323280">
+            <a:pPr marL="432000" indent="-322920">
               <a:lnSpc>
                 <a:spcPct val="150000"/>
               </a:lnSpc>
@@ -5096,7 +8137,7 @@
             </a:endParaRPr>
           </a:p>
           <a:p>
-            <a:pPr marL="432000" indent="-323280">
+            <a:pPr marL="432000" indent="-322920">
               <a:lnSpc>
                 <a:spcPct val="150000"/>
               </a:lnSpc>
@@ -5135,7 +8176,7 @@
             </a:endParaRPr>
           </a:p>
           <a:p>
-            <a:pPr marL="432000" indent="-323280">
+            <a:pPr marL="432000" indent="-322920">
               <a:lnSpc>
                 <a:spcPct val="150000"/>
               </a:lnSpc>
@@ -5177,9 +8218,9 @@
               <a:t>(</a:t>
             </a:r>
             <a:r>
-              <a:rPr b="0" lang="en-US" sz="2600" spc="-1" strike="noStrike">
-                <a:solidFill>
-                  <a:srgbClr val="000000"/>
+              <a:rPr b="1" lang="en-US" sz="2600" spc="-1" strike="noStrike">
+                <a:solidFill>
+                  <a:srgbClr val="800000"/>
                 </a:solidFill>
                 <a:uFill>
                   <a:solidFill>
@@ -5192,9 +8233,9 @@
               <a:t>Google</a:t>
             </a:r>
             <a:r>
-              <a:rPr b="0" lang="en-US" sz="2600" spc="-1" strike="noStrike">
-                <a:solidFill>
-                  <a:srgbClr val="000000"/>
+              <a:rPr b="1" lang="en-US" sz="2600" spc="-1" strike="noStrike">
+                <a:solidFill>
+                  <a:srgbClr val="800000"/>
                 </a:solidFill>
                 <a:uFill>
                   <a:solidFill>
@@ -5234,7 +8275,7 @@
             </a:endParaRPr>
           </a:p>
           <a:p>
-            <a:pPr marL="432000" indent="-323280">
+            <a:pPr marL="432000" indent="-322920">
               <a:lnSpc>
                 <a:spcPct val="150000"/>
               </a:lnSpc>
@@ -5273,7 +8314,7 @@
             </a:endParaRPr>
           </a:p>
           <a:p>
-            <a:pPr marL="432000" indent="-323280">
+            <a:pPr marL="432000" indent="-322920">
               <a:lnSpc>
                 <a:spcPct val="150000"/>
               </a:lnSpc>
@@ -5297,7 +8338,7 @@
                 <a:latin typeface="Arial"/>
                 <a:ea typeface="DejaVu Sans"/>
               </a:rPr>
-              <a:t>・スコアログ</a:t>
+              <a:t>・スコアの登録</a:t>
             </a:r>
             <a:endParaRPr b="0" lang="en-US" sz="1800" spc="-1" strike="noStrike">
               <a:solidFill>
@@ -5312,7 +8353,7 @@
             </a:endParaRPr>
           </a:p>
           <a:p>
-            <a:pPr marL="432000" indent="-323280">
+            <a:pPr marL="432000" indent="-322920">
               <a:lnSpc>
                 <a:spcPct val="150000"/>
               </a:lnSpc>
@@ -5336,6 +8377,45 @@
                 <a:latin typeface="Arial"/>
                 <a:ea typeface="DejaVu Sans"/>
               </a:rPr>
+              <a:t>・スコアログ</a:t>
+            </a:r>
+            <a:endParaRPr b="0" lang="en-US" sz="1800" spc="-1" strike="noStrike">
+              <a:solidFill>
+                <a:srgbClr val="000000"/>
+              </a:solidFill>
+              <a:uFill>
+                <a:solidFill>
+                  <a:srgbClr val="ffffff"/>
+                </a:solidFill>
+              </a:uFill>
+              <a:latin typeface="Arial"/>
+            </a:endParaRPr>
+          </a:p>
+          <a:p>
+            <a:pPr marL="432000" indent="-322920">
+              <a:lnSpc>
+                <a:spcPct val="150000"/>
+              </a:lnSpc>
+              <a:buClr>
+                <a:srgbClr val="000000"/>
+              </a:buClr>
+              <a:buSzPct val="45000"/>
+              <a:buFont typeface="Wingdings" charset="2"/>
+              <a:buChar char=""/>
+            </a:pPr>
+            <a:r>
+              <a:rPr b="0" lang="en-US" sz="3200" spc="-1" strike="noStrike">
+                <a:solidFill>
+                  <a:srgbClr val="000000"/>
+                </a:solidFill>
+                <a:uFill>
+                  <a:solidFill>
+                    <a:srgbClr val="ffffff"/>
+                  </a:solidFill>
+                </a:uFill>
+                <a:latin typeface="Arial"/>
+                <a:ea typeface="DejaVu Sans"/>
+              </a:rPr>
               <a:t>・スコアランキング</a:t>
             </a:r>
             <a:endParaRPr b="0" lang="en-US" sz="1800" spc="-1" strike="noStrike">
@@ -5351,6 +8431,35 @@
             </a:endParaRPr>
           </a:p>
         </p:txBody>
+      </p:sp>
+      <p:sp>
+        <p:nvSpPr>
+          <p:cNvPr id="80" name="CustomShape 4"/>
+          <p:cNvSpPr/>
+          <p:nvPr/>
+        </p:nvSpPr>
+        <p:spPr>
+          <a:xfrm>
+            <a:off x="1512000" y="4968000"/>
+            <a:ext cx="7488000" cy="2160000"/>
+          </a:xfrm>
+          <a:prstGeom prst="rect">
+            <a:avLst/>
+          </a:prstGeom>
+          <a:noFill/>
+          <a:ln w="76320">
+            <a:solidFill>
+              <a:srgbClr val="0066ff"/>
+            </a:solidFill>
+            <a:round/>
+          </a:ln>
+        </p:spPr>
+        <p:style>
+          <a:lnRef idx="0"/>
+          <a:fillRef idx="0"/>
+          <a:effectRef idx="0"/>
+          <a:fontRef idx="minor"/>
+        </p:style>
       </p:sp>
     </p:spTree>
   </p:cSld>
@@ -5403,14 +8512,363 @@
       </p:grpSpPr>
       <p:sp>
         <p:nvSpPr>
-          <p:cNvPr id="79" name="CustomShape 1"/>
+          <p:cNvPr id="81" name="TextShape 1"/>
+          <p:cNvSpPr txBox="1"/>
+          <p:nvPr/>
+        </p:nvSpPr>
+        <p:spPr>
+          <a:xfrm>
+            <a:off x="576000" y="1598760"/>
+            <a:ext cx="9000000" cy="5097240"/>
+          </a:xfrm>
+          <a:prstGeom prst="rect">
+            <a:avLst/>
+          </a:prstGeom>
+          <a:noFill/>
+          <a:ln>
+            <a:noFill/>
+          </a:ln>
+        </p:spPr>
+        <p:txBody>
+          <a:bodyPr lIns="90000" rIns="90000" tIns="45000" bIns="45000"/>
+          <a:p>
+            <a:r>
+              <a:rPr b="1" lang="en-US" sz="3600" spc="-1" strike="noStrike">
+                <a:solidFill>
+                  <a:srgbClr val="000000"/>
+                </a:solidFill>
+                <a:uFill>
+                  <a:solidFill>
+                    <a:srgbClr val="ffffff"/>
+                  </a:solidFill>
+                </a:uFill>
+                <a:latin typeface="Arial"/>
+              </a:rPr>
+              <a:t>UnityWebRequest</a:t>
+            </a:r>
+            <a:r>
+              <a:rPr b="1" lang="en-US" sz="3600" spc="-1" strike="noStrike">
+                <a:solidFill>
+                  <a:srgbClr val="000000"/>
+                </a:solidFill>
+                <a:uFill>
+                  <a:solidFill>
+                    <a:srgbClr val="ffffff"/>
+                  </a:solidFill>
+                </a:uFill>
+                <a:latin typeface="Arial"/>
+              </a:rPr>
+              <a:t>を利用</a:t>
+            </a:r>
+            <a:endParaRPr b="1" lang="en-US" sz="3600" spc="-1" strike="noStrike">
+              <a:solidFill>
+                <a:srgbClr val="000000"/>
+              </a:solidFill>
+              <a:uFill>
+                <a:solidFill>
+                  <a:srgbClr val="ffffff"/>
+                </a:solidFill>
+              </a:uFill>
+              <a:latin typeface="Arial"/>
+            </a:endParaRPr>
+          </a:p>
+          <a:p>
+            <a:endParaRPr b="1" lang="en-US" sz="3600" spc="-1" strike="noStrike">
+              <a:solidFill>
+                <a:srgbClr val="000000"/>
+              </a:solidFill>
+              <a:uFill>
+                <a:solidFill>
+                  <a:srgbClr val="ffffff"/>
+                </a:solidFill>
+              </a:uFill>
+              <a:latin typeface="Arial"/>
+            </a:endParaRPr>
+          </a:p>
+          <a:p>
+            <a:endParaRPr b="1" lang="en-US" sz="3600" spc="-1" strike="noStrike">
+              <a:solidFill>
+                <a:srgbClr val="000000"/>
+              </a:solidFill>
+              <a:uFill>
+                <a:solidFill>
+                  <a:srgbClr val="ffffff"/>
+                </a:solidFill>
+              </a:uFill>
+              <a:latin typeface="Arial"/>
+            </a:endParaRPr>
+          </a:p>
+          <a:p>
+            <a:r>
+              <a:rPr b="1" lang="en-US" sz="3600" spc="-1" strike="noStrike">
+                <a:solidFill>
+                  <a:srgbClr val="000000"/>
+                </a:solidFill>
+                <a:uFill>
+                  <a:solidFill>
+                    <a:srgbClr val="ffffff"/>
+                  </a:solidFill>
+                </a:uFill>
+                <a:latin typeface="Arial"/>
+              </a:rPr>
+              <a:t>ローカル環境には</a:t>
+            </a:r>
+            <a:r>
+              <a:rPr b="1" lang="en-US" sz="3600" spc="-1" strike="noStrike">
+                <a:solidFill>
+                  <a:srgbClr val="000000"/>
+                </a:solidFill>
+                <a:uFill>
+                  <a:solidFill>
+                    <a:srgbClr val="ffffff"/>
+                  </a:solidFill>
+                </a:uFill>
+                <a:latin typeface="Arial"/>
+              </a:rPr>
+              <a:t>XAMPP</a:t>
+            </a:r>
+            <a:r>
+              <a:rPr b="1" lang="en-US" sz="3600" spc="-1" strike="noStrike">
+                <a:solidFill>
+                  <a:srgbClr val="000000"/>
+                </a:solidFill>
+                <a:uFill>
+                  <a:solidFill>
+                    <a:srgbClr val="ffffff"/>
+                  </a:solidFill>
+                </a:uFill>
+                <a:latin typeface="Arial"/>
+              </a:rPr>
+              <a:t>を利用</a:t>
+            </a:r>
+            <a:endParaRPr b="1" lang="en-US" sz="3600" spc="-1" strike="noStrike">
+              <a:solidFill>
+                <a:srgbClr val="000000"/>
+              </a:solidFill>
+              <a:uFill>
+                <a:solidFill>
+                  <a:srgbClr val="ffffff"/>
+                </a:solidFill>
+              </a:uFill>
+              <a:latin typeface="Arial"/>
+            </a:endParaRPr>
+          </a:p>
+          <a:p>
+            <a:endParaRPr b="1" lang="en-US" sz="3600" spc="-1" strike="noStrike">
+              <a:solidFill>
+                <a:srgbClr val="000000"/>
+              </a:solidFill>
+              <a:uFill>
+                <a:solidFill>
+                  <a:srgbClr val="ffffff"/>
+                </a:solidFill>
+              </a:uFill>
+              <a:latin typeface="Arial"/>
+            </a:endParaRPr>
+          </a:p>
+          <a:p>
+            <a:endParaRPr b="1" lang="en-US" sz="3600" spc="-1" strike="noStrike">
+              <a:solidFill>
+                <a:srgbClr val="000000"/>
+              </a:solidFill>
+              <a:uFill>
+                <a:solidFill>
+                  <a:srgbClr val="ffffff"/>
+                </a:solidFill>
+              </a:uFill>
+              <a:latin typeface="Arial"/>
+            </a:endParaRPr>
+          </a:p>
+          <a:p>
+            <a:r>
+              <a:rPr b="1" lang="en-US" sz="3600" spc="-1" strike="noStrike">
+                <a:solidFill>
+                  <a:srgbClr val="000000"/>
+                </a:solidFill>
+                <a:uFill>
+                  <a:solidFill>
+                    <a:srgbClr val="ffffff"/>
+                  </a:solidFill>
+                </a:uFill>
+                <a:latin typeface="Arial"/>
+              </a:rPr>
+              <a:t>AWS:EC2</a:t>
+            </a:r>
+            <a:r>
+              <a:rPr b="1" lang="en-US" sz="3600" spc="-1" strike="noStrike">
+                <a:solidFill>
+                  <a:srgbClr val="000000"/>
+                </a:solidFill>
+                <a:uFill>
+                  <a:solidFill>
+                    <a:srgbClr val="ffffff"/>
+                  </a:solidFill>
+                </a:uFill>
+                <a:latin typeface="Arial"/>
+              </a:rPr>
+              <a:t>と</a:t>
+            </a:r>
+            <a:r>
+              <a:rPr b="1" lang="en-US" sz="3600" spc="-1" strike="noStrike">
+                <a:solidFill>
+                  <a:srgbClr val="000000"/>
+                </a:solidFill>
+                <a:uFill>
+                  <a:solidFill>
+                    <a:srgbClr val="ffffff"/>
+                  </a:solidFill>
+                </a:uFill>
+                <a:latin typeface="Arial"/>
+              </a:rPr>
+              <a:t>RDS</a:t>
+            </a:r>
+            <a:r>
+              <a:rPr b="1" lang="en-US" sz="3600" spc="-1" strike="noStrike">
+                <a:solidFill>
+                  <a:srgbClr val="000000"/>
+                </a:solidFill>
+                <a:uFill>
+                  <a:solidFill>
+                    <a:srgbClr val="ffffff"/>
+                  </a:solidFill>
+                </a:uFill>
+                <a:latin typeface="Arial"/>
+              </a:rPr>
+              <a:t>を利用</a:t>
+            </a:r>
+            <a:endParaRPr b="1" lang="en-US" sz="3600" spc="-1" strike="noStrike">
+              <a:solidFill>
+                <a:srgbClr val="000000"/>
+              </a:solidFill>
+              <a:uFill>
+                <a:solidFill>
+                  <a:srgbClr val="ffffff"/>
+                </a:solidFill>
+              </a:uFill>
+              <a:latin typeface="Arial"/>
+            </a:endParaRPr>
+          </a:p>
+          <a:p>
+            <a:endParaRPr b="1" lang="en-US" sz="3600" spc="-1" strike="noStrike">
+              <a:solidFill>
+                <a:srgbClr val="000000"/>
+              </a:solidFill>
+              <a:uFill>
+                <a:solidFill>
+                  <a:srgbClr val="ffffff"/>
+                </a:solidFill>
+              </a:uFill>
+              <a:latin typeface="Arial"/>
+            </a:endParaRPr>
+          </a:p>
+          <a:p>
+            <a:endParaRPr b="1" lang="en-US" sz="3600" spc="-1" strike="noStrike">
+              <a:solidFill>
+                <a:srgbClr val="000000"/>
+              </a:solidFill>
+              <a:uFill>
+                <a:solidFill>
+                  <a:srgbClr val="ffffff"/>
+                </a:solidFill>
+              </a:uFill>
+              <a:latin typeface="Arial"/>
+            </a:endParaRPr>
+          </a:p>
+          <a:p>
+            <a:r>
+              <a:rPr b="1" lang="en-US" sz="3600" spc="-1" strike="noStrike">
+                <a:solidFill>
+                  <a:srgbClr val="000000"/>
+                </a:solidFill>
+                <a:uFill>
+                  <a:solidFill>
+                    <a:srgbClr val="ffffff"/>
+                  </a:solidFill>
+                </a:uFill>
+                <a:latin typeface="Arial"/>
+              </a:rPr>
+              <a:t>サーバーサイドは</a:t>
+            </a:r>
+            <a:r>
+              <a:rPr b="1" lang="en-US" sz="3600" spc="-1" strike="noStrike">
+                <a:solidFill>
+                  <a:srgbClr val="000000"/>
+                </a:solidFill>
+                <a:uFill>
+                  <a:solidFill>
+                    <a:srgbClr val="ffffff"/>
+                  </a:solidFill>
+                </a:uFill>
+                <a:latin typeface="Arial"/>
+              </a:rPr>
+              <a:t>PHP</a:t>
+            </a:r>
+            <a:r>
+              <a:rPr b="1" lang="en-US" sz="3600" spc="-1" strike="noStrike">
+                <a:solidFill>
+                  <a:srgbClr val="000000"/>
+                </a:solidFill>
+                <a:uFill>
+                  <a:solidFill>
+                    <a:srgbClr val="ffffff"/>
+                  </a:solidFill>
+                </a:uFill>
+                <a:latin typeface="Arial"/>
+              </a:rPr>
+              <a:t>－</a:t>
+            </a:r>
+            <a:r>
+              <a:rPr b="1" lang="en-US" sz="3600" spc="-1" strike="noStrike">
+                <a:solidFill>
+                  <a:srgbClr val="000000"/>
+                </a:solidFill>
+                <a:uFill>
+                  <a:solidFill>
+                    <a:srgbClr val="ffffff"/>
+                  </a:solidFill>
+                </a:uFill>
+                <a:latin typeface="Arial"/>
+              </a:rPr>
+              <a:t>CodeIgniter</a:t>
+            </a:r>
+            <a:r>
+              <a:rPr b="1" lang="en-US" sz="3600" spc="-1" strike="noStrike">
+                <a:solidFill>
+                  <a:srgbClr val="000000"/>
+                </a:solidFill>
+                <a:uFill>
+                  <a:solidFill>
+                    <a:srgbClr val="ffffff"/>
+                  </a:solidFill>
+                </a:uFill>
+                <a:latin typeface="Arial"/>
+              </a:rPr>
+              <a:t>を利用</a:t>
+            </a:r>
+            <a:endParaRPr b="1" lang="en-US" sz="3600" spc="-1" strike="noStrike">
+              <a:solidFill>
+                <a:srgbClr val="000000"/>
+              </a:solidFill>
+              <a:uFill>
+                <a:solidFill>
+                  <a:srgbClr val="ffffff"/>
+                </a:solidFill>
+              </a:uFill>
+              <a:latin typeface="Arial"/>
+            </a:endParaRPr>
+          </a:p>
+        </p:txBody>
+      </p:sp>
+      <p:sp>
+        <p:nvSpPr>
+          <p:cNvPr id="82" name="CustomShape 2"/>
           <p:cNvSpPr/>
           <p:nvPr/>
         </p:nvSpPr>
         <p:spPr>
           <a:xfrm>
-            <a:off x="1131480" y="1152720"/>
-            <a:ext cx="7559280" cy="3743280"/>
+            <a:off x="504000" y="301320"/>
+            <a:ext cx="9070560" cy="1261080"/>
           </a:xfrm>
           <a:prstGeom prst="rect">
             <a:avLst/>
@@ -5427,21 +8885,15 @@
           <a:fontRef idx="minor"/>
         </p:style>
         <p:txBody>
-          <a:bodyPr lIns="0" rIns="0" tIns="0" bIns="0"/>
-          <a:p>
-            <a:pPr marL="432000" indent="-323280">
+          <a:bodyPr lIns="0" rIns="0" tIns="0" bIns="0" anchor="ctr"/>
+          <a:p>
+            <a:pPr algn="ctr">
               <a:lnSpc>
-                <a:spcPct val="150000"/>
+                <a:spcPct val="100000"/>
               </a:lnSpc>
-              <a:buClr>
-                <a:srgbClr val="000000"/>
-              </a:buClr>
-              <a:buSzPct val="45000"/>
-              <a:buFont typeface="Wingdings" charset="2"/>
-              <a:buChar char=""/>
             </a:pPr>
             <a:r>
-              <a:rPr b="1" lang="en-US" sz="3600" spc="-1" strike="noStrike">
+              <a:rPr b="0" lang="en-US" sz="4400" spc="-1" strike="noStrike">
                 <a:solidFill>
                   <a:srgbClr val="000000"/>
                 </a:solidFill>
@@ -5453,22 +8905,7 @@
                 <a:latin typeface="Arial"/>
                 <a:ea typeface="DejaVu Sans"/>
               </a:rPr>
-              <a:t>UnityWebRequest</a:t>
-            </a:r>
-            <a:r>
-              <a:rPr b="0" lang="en-US" sz="3600" spc="-1" strike="noStrike">
-                <a:solidFill>
-                  <a:srgbClr val="000000"/>
-                </a:solidFill>
-                <a:uFill>
-                  <a:solidFill>
-                    <a:srgbClr val="ffffff"/>
-                  </a:solidFill>
-                </a:uFill>
-                <a:latin typeface="Arial"/>
-                <a:ea typeface="DejaVu Sans"/>
-              </a:rPr>
-              <a:t>を利用</a:t>
+              <a:t>主に利用したもの</a:t>
             </a:r>
             <a:endParaRPr b="0" lang="en-US" sz="1800" spc="-1" strike="noStrike">
               <a:solidFill>
@@ -5482,307 +8919,36 @@
               <a:latin typeface="Arial"/>
             </a:endParaRPr>
           </a:p>
-          <a:p>
-            <a:pPr marL="432000" indent="-323280">
-              <a:lnSpc>
-                <a:spcPct val="150000"/>
-              </a:lnSpc>
-              <a:buClr>
-                <a:srgbClr val="000000"/>
-              </a:buClr>
-              <a:buSzPct val="45000"/>
-              <a:buFont typeface="Wingdings" charset="2"/>
-              <a:buChar char=""/>
-            </a:pPr>
-            <a:r>
-              <a:rPr b="0" lang="en-US" sz="3600" spc="-1" strike="noStrike">
-                <a:solidFill>
-                  <a:srgbClr val="000000"/>
-                </a:solidFill>
-                <a:uFill>
-                  <a:solidFill>
-                    <a:srgbClr val="ffffff"/>
-                  </a:solidFill>
-                </a:uFill>
-                <a:latin typeface="Arial"/>
-                <a:ea typeface="DejaVu Sans"/>
-              </a:rPr>
-              <a:t>ローカル環境として</a:t>
-            </a:r>
-            <a:r>
-              <a:rPr b="1" lang="en-US" sz="3600" spc="-1" strike="noStrike">
-                <a:solidFill>
-                  <a:srgbClr val="000000"/>
-                </a:solidFill>
-                <a:uFill>
-                  <a:solidFill>
-                    <a:srgbClr val="ffffff"/>
-                  </a:solidFill>
-                </a:uFill>
-                <a:latin typeface="Arial"/>
-                <a:ea typeface="DejaVu Sans"/>
-              </a:rPr>
-              <a:t>XAMPP</a:t>
-            </a:r>
-            <a:r>
-              <a:rPr b="0" lang="en-US" sz="3600" spc="-1" strike="noStrike">
-                <a:solidFill>
-                  <a:srgbClr val="000000"/>
-                </a:solidFill>
-                <a:uFill>
-                  <a:solidFill>
-                    <a:srgbClr val="ffffff"/>
-                  </a:solidFill>
-                </a:uFill>
-                <a:latin typeface="Arial"/>
-                <a:ea typeface="DejaVu Sans"/>
-              </a:rPr>
-              <a:t>を利用</a:t>
-            </a:r>
-            <a:endParaRPr b="0" lang="en-US" sz="1800" spc="-1" strike="noStrike">
-              <a:solidFill>
-                <a:srgbClr val="000000"/>
-              </a:solidFill>
-              <a:uFill>
-                <a:solidFill>
-                  <a:srgbClr val="ffffff"/>
-                </a:solidFill>
-              </a:uFill>
-              <a:latin typeface="Arial"/>
-            </a:endParaRPr>
-          </a:p>
-          <a:p>
-            <a:pPr marL="432000" indent="-323280">
-              <a:lnSpc>
-                <a:spcPct val="150000"/>
-              </a:lnSpc>
-              <a:buClr>
-                <a:srgbClr val="000000"/>
-              </a:buClr>
-              <a:buSzPct val="45000"/>
-              <a:buFont typeface="Wingdings" charset="2"/>
-              <a:buChar char=""/>
-            </a:pPr>
-            <a:r>
-              <a:rPr b="1" lang="en-US" sz="3600" spc="-1" strike="noStrike">
-                <a:solidFill>
-                  <a:srgbClr val="000000"/>
-                </a:solidFill>
-                <a:uFill>
-                  <a:solidFill>
-                    <a:srgbClr val="ffffff"/>
-                  </a:solidFill>
-                </a:uFill>
-                <a:latin typeface="Arial"/>
-                <a:ea typeface="DejaVu Sans"/>
-              </a:rPr>
-              <a:t>AWS:EC2</a:t>
-            </a:r>
-            <a:r>
-              <a:rPr b="0" lang="en-US" sz="3600" spc="-1" strike="noStrike">
-                <a:solidFill>
-                  <a:srgbClr val="000000"/>
-                </a:solidFill>
-                <a:uFill>
-                  <a:solidFill>
-                    <a:srgbClr val="ffffff"/>
-                  </a:solidFill>
-                </a:uFill>
-                <a:latin typeface="Arial"/>
-                <a:ea typeface="DejaVu Sans"/>
-              </a:rPr>
-              <a:t>と</a:t>
-            </a:r>
-            <a:r>
-              <a:rPr b="1" lang="en-US" sz="3600" spc="-1" strike="noStrike">
-                <a:solidFill>
-                  <a:srgbClr val="000000"/>
-                </a:solidFill>
-                <a:uFill>
-                  <a:solidFill>
-                    <a:srgbClr val="ffffff"/>
-                  </a:solidFill>
-                </a:uFill>
-                <a:latin typeface="Arial"/>
-                <a:ea typeface="DejaVu Sans"/>
-              </a:rPr>
-              <a:t>RDS</a:t>
-            </a:r>
-            <a:r>
-              <a:rPr b="0" lang="en-US" sz="3600" spc="-1" strike="noStrike">
-                <a:solidFill>
-                  <a:srgbClr val="000000"/>
-                </a:solidFill>
-                <a:uFill>
-                  <a:solidFill>
-                    <a:srgbClr val="ffffff"/>
-                  </a:solidFill>
-                </a:uFill>
-                <a:latin typeface="Arial"/>
-                <a:ea typeface="DejaVu Sans"/>
-              </a:rPr>
-              <a:t>を利用</a:t>
-            </a:r>
-            <a:endParaRPr b="0" lang="en-US" sz="1800" spc="-1" strike="noStrike">
-              <a:solidFill>
-                <a:srgbClr val="000000"/>
-              </a:solidFill>
-              <a:uFill>
-                <a:solidFill>
-                  <a:srgbClr val="ffffff"/>
-                </a:solidFill>
-              </a:uFill>
-              <a:latin typeface="Arial"/>
-            </a:endParaRPr>
-          </a:p>
-          <a:p>
-            <a:pPr marL="432000" indent="-323280">
-              <a:lnSpc>
-                <a:spcPct val="150000"/>
-              </a:lnSpc>
-              <a:buClr>
-                <a:srgbClr val="000000"/>
-              </a:buClr>
-              <a:buSzPct val="45000"/>
-              <a:buFont typeface="Wingdings" charset="2"/>
-              <a:buChar char=""/>
-            </a:pPr>
-            <a:r>
-              <a:rPr b="0" lang="en-US" sz="3600" spc="-1" strike="noStrike">
-                <a:solidFill>
-                  <a:srgbClr val="000000"/>
-                </a:solidFill>
-                <a:uFill>
-                  <a:solidFill>
-                    <a:srgbClr val="ffffff"/>
-                  </a:solidFill>
-                </a:uFill>
-                <a:latin typeface="Arial"/>
-                <a:ea typeface="DejaVu Sans"/>
-              </a:rPr>
-              <a:t>サーバーサイドは掲示板作成と同様に</a:t>
-            </a:r>
-            <a:endParaRPr b="0" lang="en-US" sz="1800" spc="-1" strike="noStrike">
-              <a:solidFill>
-                <a:srgbClr val="000000"/>
-              </a:solidFill>
-              <a:uFill>
-                <a:solidFill>
-                  <a:srgbClr val="ffffff"/>
-                </a:solidFill>
-              </a:uFill>
-              <a:latin typeface="Arial"/>
-            </a:endParaRPr>
-          </a:p>
-          <a:p>
-            <a:pPr marL="432000" indent="-323280">
-              <a:lnSpc>
-                <a:spcPct val="150000"/>
-              </a:lnSpc>
-              <a:buClr>
-                <a:srgbClr val="000000"/>
-              </a:buClr>
-              <a:buSzPct val="45000"/>
-              <a:buFont typeface="Wingdings" charset="2"/>
-              <a:buChar char=""/>
-            </a:pPr>
-            <a:r>
-              <a:rPr b="1" lang="en-US" sz="3600" spc="-1" strike="noStrike">
-                <a:solidFill>
-                  <a:srgbClr val="000000"/>
-                </a:solidFill>
-                <a:uFill>
-                  <a:solidFill>
-                    <a:srgbClr val="ffffff"/>
-                  </a:solidFill>
-                </a:uFill>
-                <a:latin typeface="Arial"/>
-                <a:ea typeface="DejaVu Sans"/>
-              </a:rPr>
-              <a:t>PHP</a:t>
-            </a:r>
-            <a:r>
-              <a:rPr b="1" lang="en-US" sz="3600" spc="-1" strike="noStrike">
-                <a:solidFill>
-                  <a:srgbClr val="000000"/>
-                </a:solidFill>
-                <a:uFill>
-                  <a:solidFill>
-                    <a:srgbClr val="ffffff"/>
-                  </a:solidFill>
-                </a:uFill>
-                <a:latin typeface="Arial"/>
-                <a:ea typeface="DejaVu Sans"/>
-              </a:rPr>
-              <a:t>・</a:t>
-            </a:r>
-            <a:r>
-              <a:rPr b="1" lang="en-US" sz="3600" spc="-1" strike="noStrike">
-                <a:solidFill>
-                  <a:srgbClr val="000000"/>
-                </a:solidFill>
-                <a:uFill>
-                  <a:solidFill>
-                    <a:srgbClr val="ffffff"/>
-                  </a:solidFill>
-                </a:uFill>
-                <a:latin typeface="Arial"/>
-                <a:ea typeface="DejaVu Sans"/>
-              </a:rPr>
-              <a:t>CodeIgniter</a:t>
-            </a:r>
-            <a:r>
-              <a:rPr b="0" lang="en-US" sz="3600" spc="-1" strike="noStrike">
-                <a:solidFill>
-                  <a:srgbClr val="000000"/>
-                </a:solidFill>
-                <a:uFill>
-                  <a:solidFill>
-                    <a:srgbClr val="ffffff"/>
-                  </a:solidFill>
-                </a:uFill>
-                <a:latin typeface="Arial"/>
-                <a:ea typeface="DejaVu Sans"/>
-              </a:rPr>
-              <a:t>で作成</a:t>
-            </a:r>
-            <a:endParaRPr b="0" lang="en-US" sz="1800" spc="-1" strike="noStrike">
-              <a:solidFill>
-                <a:srgbClr val="000000"/>
-              </a:solidFill>
-              <a:uFill>
-                <a:solidFill>
-                  <a:srgbClr val="ffffff"/>
-                </a:solidFill>
-              </a:uFill>
-              <a:latin typeface="Arial"/>
-            </a:endParaRPr>
-          </a:p>
-          <a:p>
-            <a:pPr marL="432000" indent="-323280">
-              <a:lnSpc>
-                <a:spcPct val="150000"/>
-              </a:lnSpc>
-              <a:buClr>
-                <a:srgbClr val="000000"/>
-              </a:buClr>
-              <a:buSzPct val="45000"/>
-              <a:buFont typeface="Wingdings" charset="2"/>
-              <a:buChar char=""/>
-            </a:pPr>
-            <a:endParaRPr b="0" lang="en-US" sz="1800" spc="-1" strike="noStrike">
-              <a:solidFill>
-                <a:srgbClr val="000000"/>
-              </a:solidFill>
-              <a:uFill>
-                <a:solidFill>
-                  <a:srgbClr val="ffffff"/>
-                </a:solidFill>
-              </a:uFill>
-              <a:latin typeface="Arial"/>
-            </a:endParaRPr>
-          </a:p>
-        </p:txBody>
+        </p:txBody>
+      </p:sp>
+      <p:sp>
+        <p:nvSpPr>
+          <p:cNvPr id="83" name="CustomShape 3"/>
+          <p:cNvSpPr/>
+          <p:nvPr/>
+        </p:nvSpPr>
+        <p:spPr>
+          <a:xfrm>
+            <a:off x="432000" y="1598760"/>
+            <a:ext cx="9144000" cy="5097240"/>
+          </a:xfrm>
+          <a:prstGeom prst="rect">
+            <a:avLst/>
+          </a:prstGeom>
+          <a:noFill/>
+          <a:ln w="76320">
+            <a:solidFill>
+              <a:srgbClr val="0066ff"/>
+            </a:solidFill>
+            <a:round/>
+          </a:ln>
+        </p:spPr>
+        <p:style>
+          <a:lnRef idx="0"/>
+          <a:fillRef idx="0"/>
+          <a:effectRef idx="0"/>
+          <a:fontRef idx="minor"/>
+        </p:style>
       </p:sp>
     </p:spTree>
   </p:cSld>
@@ -5835,14 +9001,14 @@
       </p:grpSpPr>
       <p:sp>
         <p:nvSpPr>
-          <p:cNvPr id="80" name="CustomShape 1"/>
+          <p:cNvPr id="84" name="CustomShape 1"/>
           <p:cNvSpPr/>
           <p:nvPr/>
         </p:nvSpPr>
         <p:spPr>
           <a:xfrm>
             <a:off x="390600" y="2914560"/>
-            <a:ext cx="9070920" cy="1261440"/>
+            <a:ext cx="9070560" cy="1261080"/>
           </a:xfrm>
           <a:prstGeom prst="rect">
             <a:avLst/>
@@ -5882,6 +9048,57 @@
               <a:t>２．ユーザーアカウントシステムの実装</a:t>
             </a:r>
             <a:endParaRPr b="0" lang="en-US" sz="1800" spc="-1" strike="noStrike">
+              <a:solidFill>
+                <a:srgbClr val="000000"/>
+              </a:solidFill>
+              <a:uFill>
+                <a:solidFill>
+                  <a:srgbClr val="ffffff"/>
+                </a:solidFill>
+              </a:uFill>
+              <a:latin typeface="Arial"/>
+            </a:endParaRPr>
+          </a:p>
+        </p:txBody>
+      </p:sp>
+      <p:sp>
+        <p:nvSpPr>
+          <p:cNvPr id="85" name="TextShape 2"/>
+          <p:cNvSpPr txBox="1"/>
+          <p:nvPr/>
+        </p:nvSpPr>
+        <p:spPr>
+          <a:xfrm>
+            <a:off x="4104000" y="2448000"/>
+            <a:ext cx="2160000" cy="597960"/>
+          </a:xfrm>
+          <a:prstGeom prst="rect">
+            <a:avLst/>
+          </a:prstGeom>
+          <a:noFill/>
+          <a:ln>
+            <a:noFill/>
+          </a:ln>
+        </p:spPr>
+        <p:txBody>
+          <a:bodyPr lIns="90000" rIns="90000" tIns="45000" bIns="45000"/>
+          <a:p>
+            <a:pPr algn="ctr"/>
+            <a:r>
+              <a:rPr b="1" lang="en-US" sz="4000" spc="-1" strike="noStrike">
+                <a:solidFill>
+                  <a:srgbClr val="000000"/>
+                </a:solidFill>
+                <a:uFill>
+                  <a:solidFill>
+                    <a:srgbClr val="ffffff"/>
+                  </a:solidFill>
+                </a:uFill>
+                <a:latin typeface="Arial"/>
+              </a:rPr>
+              <a:t>機能１</a:t>
+            </a:r>
+            <a:endParaRPr b="1" lang="en-US" sz="4000" spc="-1" strike="noStrike">
               <a:solidFill>
                 <a:srgbClr val="000000"/>
               </a:solidFill>
@@ -5946,14 +9163,14 @@
       </p:grpSpPr>
       <p:sp>
         <p:nvSpPr>
-          <p:cNvPr id="81" name="CustomShape 1"/>
-          <p:cNvSpPr/>
+          <p:cNvPr id="86" name="TextShape 1"/>
+          <p:cNvSpPr txBox="1"/>
           <p:nvPr/>
         </p:nvSpPr>
         <p:spPr>
           <a:xfrm>
-            <a:off x="390600" y="2914560"/>
-            <a:ext cx="9070920" cy="1261440"/>
+            <a:off x="1584000" y="1239840"/>
+            <a:ext cx="6093720" cy="2458440"/>
           </a:xfrm>
           <a:prstGeom prst="rect">
             <a:avLst/>
@@ -5963,36 +9180,295 @@
             <a:noFill/>
           </a:ln>
         </p:spPr>
-        <p:style>
-          <a:lnRef idx="0"/>
-          <a:fillRef idx="0"/>
-          <a:effectRef idx="0"/>
-          <a:fontRef idx="minor"/>
-        </p:style>
-        <p:txBody>
-          <a:bodyPr lIns="0" rIns="0" tIns="0" bIns="0" anchor="ctr"/>
-          <a:p>
-            <a:pPr algn="ctr">
-              <a:lnSpc>
-                <a:spcPct val="100000"/>
-              </a:lnSpc>
-            </a:pPr>
-            <a:r>
-              <a:rPr b="0" lang="en-US" sz="3600" spc="-1" strike="noStrike">
-                <a:solidFill>
-                  <a:srgbClr val="000000"/>
-                </a:solidFill>
-                <a:uFill>
-                  <a:solidFill>
-                    <a:srgbClr val="ffffff"/>
-                  </a:solidFill>
-                </a:uFill>
-                <a:latin typeface="Arial"/>
-                <a:ea typeface="DejaVu Sans"/>
-              </a:rPr>
-              <a:t>自動サインアップ・自動ログイン</a:t>
-            </a:r>
-            <a:endParaRPr b="0" lang="en-US" sz="3600" spc="-1" strike="noStrike">
+        <p:txBody>
+          <a:bodyPr lIns="90000" rIns="90000" tIns="45000" bIns="45000"/>
+          <a:p>
+            <a:r>
+              <a:rPr b="0" lang="en-US" sz="1800" spc="-1" strike="noStrike">
+                <a:solidFill>
+                  <a:srgbClr val="000000"/>
+                </a:solidFill>
+                <a:uFill>
+                  <a:solidFill>
+                    <a:srgbClr val="ffffff"/>
+                  </a:solidFill>
+                </a:uFill>
+                <a:latin typeface="Arial"/>
+              </a:rPr>
+              <a:t>仕様段階での苦悩</a:t>
+            </a:r>
+            <a:endParaRPr b="0" lang="en-US" sz="1800" spc="-1" strike="noStrike">
+              <a:solidFill>
+                <a:srgbClr val="000000"/>
+              </a:solidFill>
+              <a:uFill>
+                <a:solidFill>
+                  <a:srgbClr val="ffffff"/>
+                </a:solidFill>
+              </a:uFill>
+              <a:latin typeface="Arial"/>
+            </a:endParaRPr>
+          </a:p>
+          <a:p>
+            <a:endParaRPr b="0" lang="en-US" sz="1800" spc="-1" strike="noStrike">
+              <a:solidFill>
+                <a:srgbClr val="000000"/>
+              </a:solidFill>
+              <a:uFill>
+                <a:solidFill>
+                  <a:srgbClr val="ffffff"/>
+                </a:solidFill>
+              </a:uFill>
+              <a:latin typeface="Arial"/>
+            </a:endParaRPr>
+          </a:p>
+          <a:p>
+            <a:r>
+              <a:rPr b="0" lang="en-US" sz="1800" spc="-1" strike="noStrike">
+                <a:solidFill>
+                  <a:srgbClr val="000000"/>
+                </a:solidFill>
+                <a:uFill>
+                  <a:solidFill>
+                    <a:srgbClr val="ffffff"/>
+                  </a:solidFill>
+                </a:uFill>
+                <a:latin typeface="Arial"/>
+              </a:rPr>
+              <a:t>メールアドレスを</a:t>
+            </a:r>
+            <a:r>
+              <a:rPr b="0" lang="en-US" sz="1800" spc="-1" strike="noStrike">
+                <a:solidFill>
+                  <a:srgbClr val="000000"/>
+                </a:solidFill>
+                <a:uFill>
+                  <a:solidFill>
+                    <a:srgbClr val="ffffff"/>
+                  </a:solidFill>
+                </a:uFill>
+                <a:latin typeface="Arial"/>
+              </a:rPr>
+              <a:t>ID</a:t>
+            </a:r>
+            <a:r>
+              <a:rPr b="0" lang="en-US" sz="1800" spc="-1" strike="noStrike">
+                <a:solidFill>
+                  <a:srgbClr val="000000"/>
+                </a:solidFill>
+                <a:uFill>
+                  <a:solidFill>
+                    <a:srgbClr val="ffffff"/>
+                  </a:solidFill>
+                </a:uFill>
+                <a:latin typeface="Arial"/>
+              </a:rPr>
+              <a:t>として～</a:t>
+            </a:r>
+            <a:endParaRPr b="0" lang="en-US" sz="1800" spc="-1" strike="noStrike">
+              <a:solidFill>
+                <a:srgbClr val="000000"/>
+              </a:solidFill>
+              <a:uFill>
+                <a:solidFill>
+                  <a:srgbClr val="ffffff"/>
+                </a:solidFill>
+              </a:uFill>
+              <a:latin typeface="Arial"/>
+            </a:endParaRPr>
+          </a:p>
+          <a:p>
+            <a:r>
+              <a:rPr b="0" lang="en-US" sz="1800" spc="-1" strike="noStrike">
+                <a:solidFill>
+                  <a:srgbClr val="000000"/>
+                </a:solidFill>
+                <a:uFill>
+                  <a:solidFill>
+                    <a:srgbClr val="ffffff"/>
+                  </a:solidFill>
+                </a:uFill>
+                <a:latin typeface="Arial"/>
+              </a:rPr>
+              <a:t>パスワードを設定してもらい～</a:t>
+            </a:r>
+            <a:endParaRPr b="0" lang="en-US" sz="1800" spc="-1" strike="noStrike">
+              <a:solidFill>
+                <a:srgbClr val="000000"/>
+              </a:solidFill>
+              <a:uFill>
+                <a:solidFill>
+                  <a:srgbClr val="ffffff"/>
+                </a:solidFill>
+              </a:uFill>
+              <a:latin typeface="Arial"/>
+            </a:endParaRPr>
+          </a:p>
+          <a:p>
+            <a:r>
+              <a:rPr b="0" lang="en-US" sz="1800" spc="-1" strike="noStrike">
+                <a:solidFill>
+                  <a:srgbClr val="000000"/>
+                </a:solidFill>
+                <a:uFill>
+                  <a:solidFill>
+                    <a:srgbClr val="ffffff"/>
+                  </a:solidFill>
+                </a:uFill>
+                <a:latin typeface="Arial"/>
+              </a:rPr>
+              <a:t>ユーザーにとってとても面倒な部分</a:t>
+            </a:r>
+            <a:endParaRPr b="0" lang="en-US" sz="1800" spc="-1" strike="noStrike">
+              <a:solidFill>
+                <a:srgbClr val="000000"/>
+              </a:solidFill>
+              <a:uFill>
+                <a:solidFill>
+                  <a:srgbClr val="ffffff"/>
+                </a:solidFill>
+              </a:uFill>
+              <a:latin typeface="Arial"/>
+            </a:endParaRPr>
+          </a:p>
+          <a:p>
+            <a:endParaRPr b="0" lang="en-US" sz="1800" spc="-1" strike="noStrike">
+              <a:solidFill>
+                <a:srgbClr val="000000"/>
+              </a:solidFill>
+              <a:uFill>
+                <a:solidFill>
+                  <a:srgbClr val="ffffff"/>
+                </a:solidFill>
+              </a:uFill>
+              <a:latin typeface="Arial"/>
+            </a:endParaRPr>
+          </a:p>
+          <a:p>
+            <a:r>
+              <a:rPr b="0" lang="en-US" sz="1800" spc="-1" strike="noStrike">
+                <a:solidFill>
+                  <a:srgbClr val="000000"/>
+                </a:solidFill>
+                <a:uFill>
+                  <a:solidFill>
+                    <a:srgbClr val="ffffff"/>
+                  </a:solidFill>
+                </a:uFill>
+                <a:latin typeface="Arial"/>
+              </a:rPr>
+              <a:t>もっとスマートにアカウントを作成したりしたいと処理を考える。</a:t>
+            </a:r>
+            <a:endParaRPr b="0" lang="en-US" sz="1800" spc="-1" strike="noStrike">
+              <a:solidFill>
+                <a:srgbClr val="000000"/>
+              </a:solidFill>
+              <a:uFill>
+                <a:solidFill>
+                  <a:srgbClr val="ffffff"/>
+                </a:solidFill>
+              </a:uFill>
+              <a:latin typeface="Arial"/>
+            </a:endParaRPr>
+          </a:p>
+          <a:p>
+            <a:r>
+              <a:rPr b="0" lang="en-US" sz="1800" spc="-1" strike="noStrike">
+                <a:solidFill>
+                  <a:srgbClr val="000000"/>
+                </a:solidFill>
+                <a:uFill>
+                  <a:solidFill>
+                    <a:srgbClr val="ffffff"/>
+                  </a:solidFill>
+                </a:uFill>
+                <a:latin typeface="Arial"/>
+              </a:rPr>
+              <a:t>PC</a:t>
+            </a:r>
+            <a:r>
+              <a:rPr b="0" lang="en-US" sz="1800" spc="-1" strike="noStrike">
+                <a:solidFill>
+                  <a:srgbClr val="000000"/>
+                </a:solidFill>
+                <a:uFill>
+                  <a:solidFill>
+                    <a:srgbClr val="ffffff"/>
+                  </a:solidFill>
+                </a:uFill>
+                <a:latin typeface="Arial"/>
+              </a:rPr>
+              <a:t>のオンラインゲームはどうなってるか～</a:t>
+            </a:r>
+            <a:endParaRPr b="0" lang="en-US" sz="1800" spc="-1" strike="noStrike">
+              <a:solidFill>
+                <a:srgbClr val="000000"/>
+              </a:solidFill>
+              <a:uFill>
+                <a:solidFill>
+                  <a:srgbClr val="ffffff"/>
+                </a:solidFill>
+              </a:uFill>
+              <a:latin typeface="Arial"/>
+            </a:endParaRPr>
+          </a:p>
+          <a:p>
+            <a:r>
+              <a:rPr b="0" lang="en-US" sz="1800" spc="-1" strike="noStrike">
+                <a:solidFill>
+                  <a:srgbClr val="000000"/>
+                </a:solidFill>
+                <a:uFill>
+                  <a:solidFill>
+                    <a:srgbClr val="ffffff"/>
+                  </a:solidFill>
+                </a:uFill>
+                <a:latin typeface="Arial"/>
+              </a:rPr>
+              <a:t>スマホのソシャゲはどうなってるか～</a:t>
+            </a:r>
+            <a:endParaRPr b="0" lang="en-US" sz="1800" spc="-1" strike="noStrike">
+              <a:solidFill>
+                <a:srgbClr val="000000"/>
+              </a:solidFill>
+              <a:uFill>
+                <a:solidFill>
+                  <a:srgbClr val="ffffff"/>
+                </a:solidFill>
+              </a:uFill>
+              <a:latin typeface="Arial"/>
+            </a:endParaRPr>
+          </a:p>
+          <a:p>
+            <a:r>
+              <a:rPr b="0" lang="en-US" sz="1800" spc="-1" strike="noStrike">
+                <a:solidFill>
+                  <a:srgbClr val="000000"/>
+                </a:solidFill>
+                <a:uFill>
+                  <a:solidFill>
+                    <a:srgbClr val="ffffff"/>
+                  </a:solidFill>
+                </a:uFill>
+                <a:latin typeface="Arial"/>
+              </a:rPr>
+              <a:t>Web</a:t>
+            </a:r>
+            <a:r>
+              <a:rPr b="0" lang="en-US" sz="1800" spc="-1" strike="noStrike">
+                <a:solidFill>
+                  <a:srgbClr val="000000"/>
+                </a:solidFill>
+                <a:uFill>
+                  <a:solidFill>
+                    <a:srgbClr val="ffffff"/>
+                  </a:solidFill>
+                </a:uFill>
+                <a:latin typeface="Arial"/>
+              </a:rPr>
+              <a:t>サービスはどうなってるか～</a:t>
+            </a:r>
+            <a:endParaRPr b="0" lang="en-US" sz="1800" spc="-1" strike="noStrike">
               <a:solidFill>
                 <a:srgbClr val="000000"/>
               </a:solidFill>
@@ -6057,14 +9533,14 @@
       </p:grpSpPr>
       <p:sp>
         <p:nvSpPr>
-          <p:cNvPr id="82" name="CustomShape 1"/>
-          <p:cNvSpPr/>
+          <p:cNvPr id="87" name="TextShape 1"/>
+          <p:cNvSpPr txBox="1"/>
           <p:nvPr/>
         </p:nvSpPr>
         <p:spPr>
           <a:xfrm>
-            <a:off x="390600" y="2914560"/>
-            <a:ext cx="9070920" cy="1261440"/>
+            <a:off x="792000" y="1008000"/>
+            <a:ext cx="4571280" cy="318960"/>
           </a:xfrm>
           <a:prstGeom prst="rect">
             <a:avLst/>
@@ -6074,49 +9550,65 @@
             <a:noFill/>
           </a:ln>
         </p:spPr>
-        <p:style>
-          <a:lnRef idx="0"/>
-          <a:fillRef idx="0"/>
-          <a:effectRef idx="0"/>
-          <a:fontRef idx="minor"/>
-        </p:style>
-        <p:txBody>
-          <a:bodyPr lIns="0" rIns="0" tIns="0" bIns="0" anchor="ctr"/>
-          <a:p>
-            <a:pPr algn="ctr">
-              <a:lnSpc>
-                <a:spcPct val="100000"/>
-              </a:lnSpc>
-            </a:pPr>
-            <a:r>
-              <a:rPr b="0" lang="en-US" sz="3600" spc="-1" strike="noStrike">
-                <a:solidFill>
-                  <a:srgbClr val="000000"/>
-                </a:solidFill>
-                <a:uFill>
-                  <a:solidFill>
-                    <a:srgbClr val="ffffff"/>
-                  </a:solidFill>
-                </a:uFill>
-                <a:latin typeface="Arial"/>
-                <a:ea typeface="DejaVu Sans"/>
-              </a:rPr>
-              <a:t>アカウント引き継ぎ</a:t>
-            </a:r>
-            <a:endParaRPr b="0" lang="en-US" sz="3600" spc="-1" strike="noStrike">
-              <a:solidFill>
-                <a:srgbClr val="000000"/>
-              </a:solidFill>
-              <a:uFill>
-                <a:solidFill>
-                  <a:srgbClr val="ffffff"/>
-                </a:solidFill>
-              </a:uFill>
-              <a:latin typeface="Arial"/>
-            </a:endParaRPr>
-          </a:p>
-        </p:txBody>
-      </p:sp>
+        <p:txBody>
+          <a:bodyPr lIns="90000" rIns="90000" tIns="45000" bIns="45000"/>
+          <a:p>
+            <a:r>
+              <a:rPr b="0" lang="en-US" sz="1800" spc="-1" strike="noStrike">
+                <a:solidFill>
+                  <a:srgbClr val="000000"/>
+                </a:solidFill>
+                <a:uFill>
+                  <a:solidFill>
+                    <a:srgbClr val="ffffff"/>
+                  </a:solidFill>
+                </a:uFill>
+                <a:latin typeface="Arial"/>
+              </a:rPr>
+              <a:t>ニフティ本に救われ、処理の流れを把握する。</a:t>
+            </a:r>
+            <a:endParaRPr b="0" lang="en-US" sz="1800" spc="-1" strike="noStrike">
+              <a:solidFill>
+                <a:srgbClr val="000000"/>
+              </a:solidFill>
+              <a:uFill>
+                <a:solidFill>
+                  <a:srgbClr val="ffffff"/>
+                </a:solidFill>
+              </a:uFill>
+              <a:latin typeface="Arial"/>
+            </a:endParaRPr>
+          </a:p>
+        </p:txBody>
+      </p:sp>
+      <p:pic>
+        <p:nvPicPr>
+          <p:cNvPr id="88" name="" descr=""/>
+          <p:cNvPicPr/>
+          <p:nvPr/>
+        </p:nvPicPr>
+        <p:blipFill>
+          <a:blip r:embed="rId1"/>
+          <a:stretch/>
+        </p:blipFill>
+        <p:spPr>
+          <a:xfrm>
+            <a:off x="6917400" y="1296000"/>
+            <a:ext cx="2370600" cy="3024000"/>
+          </a:xfrm>
+          <a:prstGeom prst="rect">
+            <a:avLst/>
+          </a:prstGeom>
+          <a:ln>
+            <a:noFill/>
+          </a:ln>
+          <a:effectLst>
+            <a:outerShdw dist="101823" dir="2700000">
+              <a:srgbClr val="808080"/>
+            </a:outerShdw>
+          </a:effectLst>
+        </p:spPr>
+      </p:pic>
     </p:spTree>
   </p:cSld>
   <p:timing>
@@ -6168,14 +9660,14 @@
       </p:grpSpPr>
       <p:sp>
         <p:nvSpPr>
-          <p:cNvPr id="83" name="CustomShape 1"/>
+          <p:cNvPr id="89" name="CustomShape 1"/>
           <p:cNvSpPr/>
           <p:nvPr/>
         </p:nvSpPr>
         <p:spPr>
           <a:xfrm>
             <a:off x="390600" y="2914560"/>
-            <a:ext cx="9070920" cy="1261440"/>
+            <a:ext cx="9070560" cy="1261080"/>
           </a:xfrm>
           <a:prstGeom prst="rect">
             <a:avLst/>
@@ -6200,7 +9692,7 @@
               </a:lnSpc>
             </a:pPr>
             <a:r>
-              <a:rPr b="1" lang="en-US" sz="3600" spc="-1" strike="noStrike">
+              <a:rPr b="0" lang="en-US" sz="3600" spc="-1" strike="noStrike">
                 <a:solidFill>
                   <a:srgbClr val="000000"/>
                 </a:solidFill>
@@ -6212,24 +9704,9 @@
                 <a:latin typeface="Arial"/>
                 <a:ea typeface="DejaVu Sans"/>
               </a:rPr>
-              <a:t>SNS</a:t>
-            </a:r>
-            <a:r>
-              <a:rPr b="0" lang="en-US" sz="3600" spc="-1" strike="noStrike">
-                <a:solidFill>
-                  <a:srgbClr val="000000"/>
-                </a:solidFill>
-                <a:uFill>
-                  <a:solidFill>
-                    <a:srgbClr val="ffffff"/>
-                  </a:solidFill>
-                </a:uFill>
-                <a:latin typeface="Arial"/>
-                <a:ea typeface="DejaVu Sans"/>
-              </a:rPr>
-              <a:t>アカウントの利用</a:t>
-            </a:r>
-            <a:endParaRPr b="0" lang="en-US" sz="3600" spc="-1" strike="noStrike">
+              <a:t>自動サインアップ・自動ログイン</a:t>
+            </a:r>
+            <a:endParaRPr b="0" lang="en-US" sz="1800" spc="-1" strike="noStrike">
               <a:solidFill>
                 <a:srgbClr val="000000"/>
               </a:solidFill>
@@ -6294,14 +9771,14 @@
       </p:grpSpPr>
       <p:sp>
         <p:nvSpPr>
-          <p:cNvPr id="84" name="CustomShape 1"/>
-          <p:cNvSpPr/>
+          <p:cNvPr id="90" name="TextShape 1"/>
+          <p:cNvSpPr txBox="1"/>
           <p:nvPr/>
         </p:nvSpPr>
         <p:spPr>
           <a:xfrm>
-            <a:off x="390600" y="2914560"/>
-            <a:ext cx="9070920" cy="1261440"/>
+            <a:off x="1584000" y="1239840"/>
+            <a:ext cx="6417000" cy="346320"/>
           </a:xfrm>
           <a:prstGeom prst="rect">
             <a:avLst/>
@@ -6311,34 +9788,50 @@
             <a:noFill/>
           </a:ln>
         </p:spPr>
-        <p:style>
-          <a:lnRef idx="0"/>
-          <a:fillRef idx="0"/>
-          <a:effectRef idx="0"/>
-          <a:fontRef idx="minor"/>
-        </p:style>
-        <p:txBody>
-          <a:bodyPr lIns="0" rIns="0" tIns="0" bIns="0" anchor="ctr"/>
-          <a:p>
-            <a:pPr algn="ctr">
-              <a:lnSpc>
-                <a:spcPct val="100000"/>
-              </a:lnSpc>
-            </a:pPr>
-            <a:r>
-              <a:rPr b="0" lang="en-US" sz="4400" spc="-1" strike="noStrike">
-                <a:solidFill>
-                  <a:srgbClr val="000000"/>
-                </a:solidFill>
-                <a:uFill>
-                  <a:solidFill>
-                    <a:srgbClr val="ffffff"/>
-                  </a:solidFill>
-                </a:uFill>
-                <a:latin typeface="Arial"/>
-                <a:ea typeface="DejaVu Sans"/>
-              </a:rPr>
-              <a:t>３．スコア関係の機能実装</a:t>
+        <p:txBody>
+          <a:bodyPr lIns="90000" rIns="90000" tIns="45000" bIns="45000"/>
+          <a:p>
+            <a:r>
+              <a:rPr b="0" lang="en-US" sz="1800" spc="-1" strike="noStrike">
+                <a:solidFill>
+                  <a:srgbClr val="000000"/>
+                </a:solidFill>
+                <a:uFill>
+                  <a:solidFill>
+                    <a:srgbClr val="ffffff"/>
+                  </a:solidFill>
+                </a:uFill>
+                <a:latin typeface="Arial"/>
+              </a:rPr>
+              <a:t>ニフティ</a:t>
+            </a:r>
+            <a:r>
+              <a:rPr b="0" lang="en-US" sz="1800" spc="-1" strike="noStrike">
+                <a:solidFill>
+                  <a:srgbClr val="000000"/>
+                </a:solidFill>
+                <a:uFill>
+                  <a:solidFill>
+                    <a:srgbClr val="ffffff"/>
+                  </a:solidFill>
+                </a:uFill>
+                <a:latin typeface="Arial"/>
+              </a:rPr>
+              <a:t>SDK</a:t>
+            </a:r>
+            <a:r>
+              <a:rPr b="0" lang="en-US" sz="1800" spc="-1" strike="noStrike">
+                <a:solidFill>
+                  <a:srgbClr val="000000"/>
+                </a:solidFill>
+                <a:uFill>
+                  <a:solidFill>
+                    <a:srgbClr val="ffffff"/>
+                  </a:solidFill>
+                </a:uFill>
+                <a:latin typeface="Arial"/>
+              </a:rPr>
+              <a:t>を利用している部分を独自の処理に置き換えていく。</a:t>
             </a:r>
             <a:endParaRPr b="0" lang="en-US" sz="1800" spc="-1" strike="noStrike">
               <a:solidFill>
